--- a/Assets/神经网络手写数字识别.pptx
+++ b/Assets/神经网络手写数字识别.pptx
@@ -5,11 +5,11 @@
     <p:sldMasterId id="2147483648" r:id="rId1"/>
   </p:sldMasterIdLst>
   <p:sldIdLst>
-    <p:sldId id="256" r:id="rId3"/>
-    <p:sldId id="257" r:id="rId4"/>
-    <p:sldId id="258" r:id="rId5"/>
-    <p:sldId id="259" r:id="rId6"/>
-    <p:sldId id="260" r:id="rId7"/>
+    <p:sldId id="256" r:id="rId2"/>
+    <p:sldId id="257" r:id="rId3"/>
+    <p:sldId id="258" r:id="rId4"/>
+    <p:sldId id="259" r:id="rId5"/>
+    <p:sldId id="260" r:id="rId6"/>
   </p:sldIdLst>
   <p:sldSz cx="12192000" cy="6858000"/>
   <p:notesSz cx="6858000" cy="9144000"/>
@@ -242,6 +242,8 @@
           <a:p>
             <a:fld id="{D997B5FA-0921-464F-AAE1-844C04324D75}" type="datetimeFigureOut">
               <a:rPr lang="zh-CN" altLang="en-US" smtClean="0"/>
+              <a:pPr/>
+              <a:t>2019/1/29</a:t>
             </a:fld>
             <a:endParaRPr lang="zh-CN" altLang="en-US"/>
           </a:p>
@@ -283,6 +285,8 @@
           <a:p>
             <a:fld id="{565CE74E-AB26-4998-AD42-012C4C1AD076}" type="slidenum">
               <a:rPr lang="zh-CN" altLang="en-US" smtClean="0"/>
+              <a:pPr/>
+              <a:t>‹#›</a:t>
             </a:fld>
             <a:endParaRPr lang="zh-CN" altLang="en-US"/>
           </a:p>
@@ -356,7 +360,6 @@
               <a:rPr lang="zh-CN" altLang="en-US" smtClean="0"/>
               <a:t>单击此处编辑母版文本样式</a:t>
             </a:r>
-            <a:endParaRPr lang="zh-CN" altLang="en-US" smtClean="0"/>
           </a:p>
           <a:p>
             <a:pPr lvl="1"/>
@@ -364,7 +367,6 @@
               <a:rPr lang="zh-CN" altLang="en-US" smtClean="0"/>
               <a:t>第二级</a:t>
             </a:r>
-            <a:endParaRPr lang="zh-CN" altLang="en-US" smtClean="0"/>
           </a:p>
           <a:p>
             <a:pPr lvl="2"/>
@@ -372,7 +374,6 @@
               <a:rPr lang="zh-CN" altLang="en-US" smtClean="0"/>
               <a:t>第三级</a:t>
             </a:r>
-            <a:endParaRPr lang="zh-CN" altLang="en-US" smtClean="0"/>
           </a:p>
           <a:p>
             <a:pPr lvl="3"/>
@@ -380,7 +381,6 @@
               <a:rPr lang="zh-CN" altLang="en-US" smtClean="0"/>
               <a:t>第四级</a:t>
             </a:r>
-            <a:endParaRPr lang="zh-CN" altLang="en-US" smtClean="0"/>
           </a:p>
           <a:p>
             <a:pPr lvl="4"/>
@@ -409,6 +409,8 @@
           <a:p>
             <a:fld id="{D997B5FA-0921-464F-AAE1-844C04324D75}" type="datetimeFigureOut">
               <a:rPr lang="zh-CN" altLang="en-US" smtClean="0"/>
+              <a:pPr/>
+              <a:t>2019/1/29</a:t>
             </a:fld>
             <a:endParaRPr lang="zh-CN" altLang="en-US"/>
           </a:p>
@@ -450,6 +452,8 @@
           <a:p>
             <a:fld id="{565CE74E-AB26-4998-AD42-012C4C1AD076}" type="slidenum">
               <a:rPr lang="zh-CN" altLang="en-US" smtClean="0"/>
+              <a:pPr/>
+              <a:t>‹#›</a:t>
             </a:fld>
             <a:endParaRPr lang="zh-CN" altLang="en-US"/>
           </a:p>
@@ -533,7 +537,6 @@
               <a:rPr lang="zh-CN" altLang="en-US" smtClean="0"/>
               <a:t>单击此处编辑母版文本样式</a:t>
             </a:r>
-            <a:endParaRPr lang="zh-CN" altLang="en-US" smtClean="0"/>
           </a:p>
           <a:p>
             <a:pPr lvl="1"/>
@@ -541,7 +544,6 @@
               <a:rPr lang="zh-CN" altLang="en-US" smtClean="0"/>
               <a:t>第二级</a:t>
             </a:r>
-            <a:endParaRPr lang="zh-CN" altLang="en-US" smtClean="0"/>
           </a:p>
           <a:p>
             <a:pPr lvl="2"/>
@@ -549,7 +551,6 @@
               <a:rPr lang="zh-CN" altLang="en-US" smtClean="0"/>
               <a:t>第三级</a:t>
             </a:r>
-            <a:endParaRPr lang="zh-CN" altLang="en-US" smtClean="0"/>
           </a:p>
           <a:p>
             <a:pPr lvl="3"/>
@@ -557,7 +558,6 @@
               <a:rPr lang="zh-CN" altLang="en-US" smtClean="0"/>
               <a:t>第四级</a:t>
             </a:r>
-            <a:endParaRPr lang="zh-CN" altLang="en-US" smtClean="0"/>
           </a:p>
           <a:p>
             <a:pPr lvl="4"/>
@@ -586,6 +586,8 @@
           <a:p>
             <a:fld id="{D997B5FA-0921-464F-AAE1-844C04324D75}" type="datetimeFigureOut">
               <a:rPr lang="zh-CN" altLang="en-US" smtClean="0"/>
+              <a:pPr/>
+              <a:t>2019/1/29</a:t>
             </a:fld>
             <a:endParaRPr lang="zh-CN" altLang="en-US"/>
           </a:p>
@@ -627,6 +629,8 @@
           <a:p>
             <a:fld id="{565CE74E-AB26-4998-AD42-012C4C1AD076}" type="slidenum">
               <a:rPr lang="zh-CN" altLang="en-US" smtClean="0"/>
+              <a:pPr/>
+              <a:t>‹#›</a:t>
             </a:fld>
             <a:endParaRPr lang="zh-CN" altLang="en-US"/>
           </a:p>
@@ -700,7 +704,6 @@
               <a:rPr lang="zh-CN" altLang="en-US" smtClean="0"/>
               <a:t>单击此处编辑母版文本样式</a:t>
             </a:r>
-            <a:endParaRPr lang="zh-CN" altLang="en-US" smtClean="0"/>
           </a:p>
           <a:p>
             <a:pPr lvl="1"/>
@@ -708,7 +711,6 @@
               <a:rPr lang="zh-CN" altLang="en-US" smtClean="0"/>
               <a:t>第二级</a:t>
             </a:r>
-            <a:endParaRPr lang="zh-CN" altLang="en-US" smtClean="0"/>
           </a:p>
           <a:p>
             <a:pPr lvl="2"/>
@@ -716,7 +718,6 @@
               <a:rPr lang="zh-CN" altLang="en-US" smtClean="0"/>
               <a:t>第三级</a:t>
             </a:r>
-            <a:endParaRPr lang="zh-CN" altLang="en-US" smtClean="0"/>
           </a:p>
           <a:p>
             <a:pPr lvl="3"/>
@@ -724,7 +725,6 @@
               <a:rPr lang="zh-CN" altLang="en-US" smtClean="0"/>
               <a:t>第四级</a:t>
             </a:r>
-            <a:endParaRPr lang="zh-CN" altLang="en-US" smtClean="0"/>
           </a:p>
           <a:p>
             <a:pPr lvl="4"/>
@@ -753,6 +753,8 @@
           <a:p>
             <a:fld id="{D997B5FA-0921-464F-AAE1-844C04324D75}" type="datetimeFigureOut">
               <a:rPr lang="zh-CN" altLang="en-US" smtClean="0"/>
+              <a:pPr/>
+              <a:t>2019/1/29</a:t>
             </a:fld>
             <a:endParaRPr lang="zh-CN" altLang="en-US"/>
           </a:p>
@@ -794,6 +796,8 @@
           <a:p>
             <a:fld id="{565CE74E-AB26-4998-AD42-012C4C1AD076}" type="slidenum">
               <a:rPr lang="zh-CN" altLang="en-US" smtClean="0"/>
+              <a:pPr/>
+              <a:t>‹#›</a:t>
             </a:fld>
             <a:endParaRPr lang="zh-CN" altLang="en-US"/>
           </a:p>
@@ -972,7 +976,6 @@
               <a:rPr lang="zh-CN" altLang="en-US" smtClean="0"/>
               <a:t>单击此处编辑母版文本样式</a:t>
             </a:r>
-            <a:endParaRPr lang="zh-CN" altLang="en-US" smtClean="0"/>
           </a:p>
         </p:txBody>
       </p:sp>
@@ -993,6 +996,8 @@
           <a:p>
             <a:fld id="{D997B5FA-0921-464F-AAE1-844C04324D75}" type="datetimeFigureOut">
               <a:rPr lang="zh-CN" altLang="en-US" smtClean="0"/>
+              <a:pPr/>
+              <a:t>2019/1/29</a:t>
             </a:fld>
             <a:endParaRPr lang="zh-CN" altLang="en-US"/>
           </a:p>
@@ -1034,6 +1039,8 @@
           <a:p>
             <a:fld id="{565CE74E-AB26-4998-AD42-012C4C1AD076}" type="slidenum">
               <a:rPr lang="zh-CN" altLang="en-US" smtClean="0"/>
+              <a:pPr/>
+              <a:t>‹#›</a:t>
             </a:fld>
             <a:endParaRPr lang="zh-CN" altLang="en-US"/>
           </a:p>
@@ -1112,7 +1119,6 @@
               <a:rPr lang="zh-CN" altLang="en-US" smtClean="0"/>
               <a:t>单击此处编辑母版文本样式</a:t>
             </a:r>
-            <a:endParaRPr lang="zh-CN" altLang="en-US" smtClean="0"/>
           </a:p>
           <a:p>
             <a:pPr lvl="1"/>
@@ -1120,7 +1126,6 @@
               <a:rPr lang="zh-CN" altLang="en-US" smtClean="0"/>
               <a:t>第二级</a:t>
             </a:r>
-            <a:endParaRPr lang="zh-CN" altLang="en-US" smtClean="0"/>
           </a:p>
           <a:p>
             <a:pPr lvl="2"/>
@@ -1128,7 +1133,6 @@
               <a:rPr lang="zh-CN" altLang="en-US" smtClean="0"/>
               <a:t>第三级</a:t>
             </a:r>
-            <a:endParaRPr lang="zh-CN" altLang="en-US" smtClean="0"/>
           </a:p>
           <a:p>
             <a:pPr lvl="3"/>
@@ -1136,7 +1140,6 @@
               <a:rPr lang="zh-CN" altLang="en-US" smtClean="0"/>
               <a:t>第四级</a:t>
             </a:r>
-            <a:endParaRPr lang="zh-CN" altLang="en-US" smtClean="0"/>
           </a:p>
           <a:p>
             <a:pPr lvl="4"/>
@@ -1173,7 +1176,6 @@
               <a:rPr lang="zh-CN" altLang="en-US" smtClean="0"/>
               <a:t>单击此处编辑母版文本样式</a:t>
             </a:r>
-            <a:endParaRPr lang="zh-CN" altLang="en-US" smtClean="0"/>
           </a:p>
           <a:p>
             <a:pPr lvl="1"/>
@@ -1181,7 +1183,6 @@
               <a:rPr lang="zh-CN" altLang="en-US" smtClean="0"/>
               <a:t>第二级</a:t>
             </a:r>
-            <a:endParaRPr lang="zh-CN" altLang="en-US" smtClean="0"/>
           </a:p>
           <a:p>
             <a:pPr lvl="2"/>
@@ -1189,7 +1190,6 @@
               <a:rPr lang="zh-CN" altLang="en-US" smtClean="0"/>
               <a:t>第三级</a:t>
             </a:r>
-            <a:endParaRPr lang="zh-CN" altLang="en-US" smtClean="0"/>
           </a:p>
           <a:p>
             <a:pPr lvl="3"/>
@@ -1197,7 +1197,6 @@
               <a:rPr lang="zh-CN" altLang="en-US" smtClean="0"/>
               <a:t>第四级</a:t>
             </a:r>
-            <a:endParaRPr lang="zh-CN" altLang="en-US" smtClean="0"/>
           </a:p>
           <a:p>
             <a:pPr lvl="4"/>
@@ -1226,6 +1225,8 @@
           <a:p>
             <a:fld id="{D997B5FA-0921-464F-AAE1-844C04324D75}" type="datetimeFigureOut">
               <a:rPr lang="zh-CN" altLang="en-US" smtClean="0"/>
+              <a:pPr/>
+              <a:t>2019/1/29</a:t>
             </a:fld>
             <a:endParaRPr lang="zh-CN" altLang="en-US"/>
           </a:p>
@@ -1267,6 +1268,8 @@
           <a:p>
             <a:fld id="{565CE74E-AB26-4998-AD42-012C4C1AD076}" type="slidenum">
               <a:rPr lang="zh-CN" altLang="en-US" smtClean="0"/>
+              <a:pPr/>
+              <a:t>‹#›</a:t>
             </a:fld>
             <a:endParaRPr lang="zh-CN" altLang="en-US"/>
           </a:p>
@@ -1387,7 +1390,6 @@
               <a:rPr lang="zh-CN" altLang="en-US" smtClean="0"/>
               <a:t>单击此处编辑母版文本样式</a:t>
             </a:r>
-            <a:endParaRPr lang="zh-CN" altLang="en-US" smtClean="0"/>
           </a:p>
         </p:txBody>
       </p:sp>
@@ -1416,7 +1418,6 @@
               <a:rPr lang="zh-CN" altLang="en-US" smtClean="0"/>
               <a:t>单击此处编辑母版文本样式</a:t>
             </a:r>
-            <a:endParaRPr lang="zh-CN" altLang="en-US" smtClean="0"/>
           </a:p>
           <a:p>
             <a:pPr lvl="1"/>
@@ -1424,7 +1425,6 @@
               <a:rPr lang="zh-CN" altLang="en-US" smtClean="0"/>
               <a:t>第二级</a:t>
             </a:r>
-            <a:endParaRPr lang="zh-CN" altLang="en-US" smtClean="0"/>
           </a:p>
           <a:p>
             <a:pPr lvl="2"/>
@@ -1432,7 +1432,6 @@
               <a:rPr lang="zh-CN" altLang="en-US" smtClean="0"/>
               <a:t>第三级</a:t>
             </a:r>
-            <a:endParaRPr lang="zh-CN" altLang="en-US" smtClean="0"/>
           </a:p>
           <a:p>
             <a:pPr lvl="3"/>
@@ -1440,7 +1439,6 @@
               <a:rPr lang="zh-CN" altLang="en-US" smtClean="0"/>
               <a:t>第四级</a:t>
             </a:r>
-            <a:endParaRPr lang="zh-CN" altLang="en-US" smtClean="0"/>
           </a:p>
           <a:p>
             <a:pPr lvl="4"/>
@@ -1514,7 +1512,6 @@
               <a:rPr lang="zh-CN" altLang="en-US" smtClean="0"/>
               <a:t>单击此处编辑母版文本样式</a:t>
             </a:r>
-            <a:endParaRPr lang="zh-CN" altLang="en-US" smtClean="0"/>
           </a:p>
         </p:txBody>
       </p:sp>
@@ -1543,7 +1540,6 @@
               <a:rPr lang="zh-CN" altLang="en-US" smtClean="0"/>
               <a:t>单击此处编辑母版文本样式</a:t>
             </a:r>
-            <a:endParaRPr lang="zh-CN" altLang="en-US" smtClean="0"/>
           </a:p>
           <a:p>
             <a:pPr lvl="1"/>
@@ -1551,7 +1547,6 @@
               <a:rPr lang="zh-CN" altLang="en-US" smtClean="0"/>
               <a:t>第二级</a:t>
             </a:r>
-            <a:endParaRPr lang="zh-CN" altLang="en-US" smtClean="0"/>
           </a:p>
           <a:p>
             <a:pPr lvl="2"/>
@@ -1559,7 +1554,6 @@
               <a:rPr lang="zh-CN" altLang="en-US" smtClean="0"/>
               <a:t>第三级</a:t>
             </a:r>
-            <a:endParaRPr lang="zh-CN" altLang="en-US" smtClean="0"/>
           </a:p>
           <a:p>
             <a:pPr lvl="3"/>
@@ -1567,7 +1561,6 @@
               <a:rPr lang="zh-CN" altLang="en-US" smtClean="0"/>
               <a:t>第四级</a:t>
             </a:r>
-            <a:endParaRPr lang="zh-CN" altLang="en-US" smtClean="0"/>
           </a:p>
           <a:p>
             <a:pPr lvl="4"/>
@@ -1596,6 +1589,8 @@
           <a:p>
             <a:fld id="{D997B5FA-0921-464F-AAE1-844C04324D75}" type="datetimeFigureOut">
               <a:rPr lang="zh-CN" altLang="en-US" smtClean="0"/>
+              <a:pPr/>
+              <a:t>2019/1/29</a:t>
             </a:fld>
             <a:endParaRPr lang="zh-CN" altLang="en-US"/>
           </a:p>
@@ -1637,6 +1632,8 @@
           <a:p>
             <a:fld id="{565CE74E-AB26-4998-AD42-012C4C1AD076}" type="slidenum">
               <a:rPr lang="zh-CN" altLang="en-US" smtClean="0"/>
+              <a:pPr/>
+              <a:t>‹#›</a:t>
             </a:fld>
             <a:endParaRPr lang="zh-CN" altLang="en-US"/>
           </a:p>
@@ -1707,6 +1704,8 @@
           <a:p>
             <a:fld id="{D997B5FA-0921-464F-AAE1-844C04324D75}" type="datetimeFigureOut">
               <a:rPr lang="zh-CN" altLang="en-US" smtClean="0"/>
+              <a:pPr/>
+              <a:t>2019/1/29</a:t>
             </a:fld>
             <a:endParaRPr lang="zh-CN" altLang="en-US"/>
           </a:p>
@@ -1748,6 +1747,8 @@
           <a:p>
             <a:fld id="{565CE74E-AB26-4998-AD42-012C4C1AD076}" type="slidenum">
               <a:rPr lang="zh-CN" altLang="en-US" smtClean="0"/>
+              <a:pPr/>
+              <a:t>‹#›</a:t>
             </a:fld>
             <a:endParaRPr lang="zh-CN" altLang="en-US"/>
           </a:p>
@@ -1795,6 +1796,8 @@
           <a:p>
             <a:fld id="{D997B5FA-0921-464F-AAE1-844C04324D75}" type="datetimeFigureOut">
               <a:rPr lang="zh-CN" altLang="en-US" smtClean="0"/>
+              <a:pPr/>
+              <a:t>2019/1/29</a:t>
             </a:fld>
             <a:endParaRPr lang="zh-CN" altLang="en-US"/>
           </a:p>
@@ -1836,6 +1839,8 @@
           <a:p>
             <a:fld id="{565CE74E-AB26-4998-AD42-012C4C1AD076}" type="slidenum">
               <a:rPr lang="zh-CN" altLang="en-US" smtClean="0"/>
+              <a:pPr/>
+              <a:t>‹#›</a:t>
             </a:fld>
             <a:endParaRPr lang="zh-CN" altLang="en-US"/>
           </a:p>
@@ -1951,7 +1956,6 @@
               <a:rPr lang="zh-CN" altLang="en-US" smtClean="0"/>
               <a:t>单击此处编辑母版文本样式</a:t>
             </a:r>
-            <a:endParaRPr lang="zh-CN" altLang="en-US" smtClean="0"/>
           </a:p>
           <a:p>
             <a:pPr lvl="1"/>
@@ -1959,7 +1963,6 @@
               <a:rPr lang="zh-CN" altLang="en-US" smtClean="0"/>
               <a:t>第二级</a:t>
             </a:r>
-            <a:endParaRPr lang="zh-CN" altLang="en-US" smtClean="0"/>
           </a:p>
           <a:p>
             <a:pPr lvl="2"/>
@@ -1967,7 +1970,6 @@
               <a:rPr lang="zh-CN" altLang="en-US" smtClean="0"/>
               <a:t>第三级</a:t>
             </a:r>
-            <a:endParaRPr lang="zh-CN" altLang="en-US" smtClean="0"/>
           </a:p>
           <a:p>
             <a:pPr lvl="3"/>
@@ -1975,7 +1977,6 @@
               <a:rPr lang="zh-CN" altLang="en-US" smtClean="0"/>
               <a:t>第四级</a:t>
             </a:r>
-            <a:endParaRPr lang="zh-CN" altLang="en-US" smtClean="0"/>
           </a:p>
           <a:p>
             <a:pPr lvl="4"/>
@@ -2049,7 +2050,6 @@
               <a:rPr lang="zh-CN" altLang="en-US" smtClean="0"/>
               <a:t>单击此处编辑母版文本样式</a:t>
             </a:r>
-            <a:endParaRPr lang="zh-CN" altLang="en-US" smtClean="0"/>
           </a:p>
         </p:txBody>
       </p:sp>
@@ -2070,6 +2070,8 @@
           <a:p>
             <a:fld id="{D997B5FA-0921-464F-AAE1-844C04324D75}" type="datetimeFigureOut">
               <a:rPr lang="zh-CN" altLang="en-US" smtClean="0"/>
+              <a:pPr/>
+              <a:t>2019/1/29</a:t>
             </a:fld>
             <a:endParaRPr lang="zh-CN" altLang="en-US"/>
           </a:p>
@@ -2111,6 +2113,8 @@
           <a:p>
             <a:fld id="{565CE74E-AB26-4998-AD42-012C4C1AD076}" type="slidenum">
               <a:rPr lang="zh-CN" altLang="en-US" smtClean="0"/>
+              <a:pPr/>
+              <a:t>‹#›</a:t>
             </a:fld>
             <a:endParaRPr lang="zh-CN" altLang="en-US"/>
           </a:p>
@@ -2296,7 +2300,6 @@
               <a:rPr lang="zh-CN" altLang="en-US" smtClean="0"/>
               <a:t>单击此处编辑母版文本样式</a:t>
             </a:r>
-            <a:endParaRPr lang="zh-CN" altLang="en-US" smtClean="0"/>
           </a:p>
         </p:txBody>
       </p:sp>
@@ -2317,6 +2320,8 @@
           <a:p>
             <a:fld id="{D997B5FA-0921-464F-AAE1-844C04324D75}" type="datetimeFigureOut">
               <a:rPr lang="zh-CN" altLang="en-US" smtClean="0"/>
+              <a:pPr/>
+              <a:t>2019/1/29</a:t>
             </a:fld>
             <a:endParaRPr lang="zh-CN" altLang="en-US"/>
           </a:p>
@@ -2358,6 +2363,8 @@
           <a:p>
             <a:fld id="{565CE74E-AB26-4998-AD42-012C4C1AD076}" type="slidenum">
               <a:rPr lang="zh-CN" altLang="en-US" smtClean="0"/>
+              <a:pPr/>
+              <a:t>‹#›</a:t>
             </a:fld>
             <a:endParaRPr lang="zh-CN" altLang="en-US"/>
           </a:p>
@@ -2456,7 +2463,6 @@
               <a:rPr lang="zh-CN" altLang="en-US" smtClean="0"/>
               <a:t>单击此处编辑母版文本样式</a:t>
             </a:r>
-            <a:endParaRPr lang="zh-CN" altLang="en-US" smtClean="0"/>
           </a:p>
           <a:p>
             <a:pPr lvl="1"/>
@@ -2464,7 +2470,6 @@
               <a:rPr lang="zh-CN" altLang="en-US" smtClean="0"/>
               <a:t>第二级</a:t>
             </a:r>
-            <a:endParaRPr lang="zh-CN" altLang="en-US" smtClean="0"/>
           </a:p>
           <a:p>
             <a:pPr lvl="2"/>
@@ -2472,7 +2477,6 @@
               <a:rPr lang="zh-CN" altLang="en-US" smtClean="0"/>
               <a:t>第三级</a:t>
             </a:r>
-            <a:endParaRPr lang="zh-CN" altLang="en-US" smtClean="0"/>
           </a:p>
           <a:p>
             <a:pPr lvl="3"/>
@@ -2480,7 +2484,6 @@
               <a:rPr lang="zh-CN" altLang="en-US" smtClean="0"/>
               <a:t>第四级</a:t>
             </a:r>
-            <a:endParaRPr lang="zh-CN" altLang="en-US" smtClean="0"/>
           </a:p>
           <a:p>
             <a:pPr lvl="4"/>
@@ -2527,6 +2530,8 @@
           <a:p>
             <a:fld id="{D997B5FA-0921-464F-AAE1-844C04324D75}" type="datetimeFigureOut">
               <a:rPr lang="zh-CN" altLang="en-US" smtClean="0"/>
+              <a:pPr/>
+              <a:t>2019/1/29</a:t>
             </a:fld>
             <a:endParaRPr lang="zh-CN" altLang="en-US"/>
           </a:p>
@@ -2604,6 +2609,8 @@
           <a:p>
             <a:fld id="{565CE74E-AB26-4998-AD42-012C4C1AD076}" type="slidenum">
               <a:rPr lang="zh-CN" altLang="en-US" smtClean="0"/>
+              <a:pPr/>
+              <a:t>‹#›</a:t>
             </a:fld>
             <a:endParaRPr lang="zh-CN" altLang="en-US"/>
           </a:p>
@@ -2917,7 +2924,14 @@
         <p:cNvGrpSpPr/>
         <p:nvPr/>
       </p:nvGrpSpPr>
-      <p:grpSpPr/>
+      <p:grpSpPr>
+        <a:xfrm>
+          <a:off x="0" y="0"/>
+          <a:ext cx="0" cy="0"/>
+          <a:chOff x="0" y="0"/>
+          <a:chExt cx="0" cy="0"/>
+        </a:xfrm>
+      </p:grpSpPr>
       <p:sp>
         <p:nvSpPr>
           <p:cNvPr id="2" name="标题 1"/>
@@ -2931,12 +2945,12 @@
         <p:spPr/>
         <p:txBody>
           <a:bodyPr/>
+          <a:lstStyle/>
           <a:p>
             <a:r>
               <a:rPr lang="zh-CN" altLang="zh-CN"/>
               <a:t>神经网络手写数字识别</a:t>
             </a:r>
-            <a:endParaRPr lang="zh-CN" altLang="zh-CN"/>
           </a:p>
         </p:txBody>
       </p:sp>
@@ -2953,6 +2967,7 @@
         <p:spPr/>
         <p:txBody>
           <a:bodyPr/>
+          <a:lstStyle/>
           <a:p>
             <a:endParaRPr lang="zh-CN" altLang="en-US"/>
           </a:p>
@@ -2975,7 +2990,14 @@
         <p:cNvGrpSpPr/>
         <p:nvPr/>
       </p:nvGrpSpPr>
-      <p:grpSpPr/>
+      <p:grpSpPr>
+        <a:xfrm>
+          <a:off x="0" y="0"/>
+          <a:ext cx="0" cy="0"/>
+          <a:chOff x="0" y="0"/>
+          <a:chExt cx="0" cy="0"/>
+        </a:xfrm>
+      </p:grpSpPr>
       <p:sp>
         <p:nvSpPr>
           <p:cNvPr id="2" name="标题 1"/>
@@ -2989,12 +3011,12 @@
         <p:spPr/>
         <p:txBody>
           <a:bodyPr/>
+          <a:lstStyle/>
           <a:p>
             <a:r>
               <a:rPr lang="zh-CN" altLang="en-US"/>
               <a:t>概念</a:t>
             </a:r>
-            <a:endParaRPr lang="zh-CN" altLang="en-US"/>
           </a:p>
         </p:txBody>
       </p:sp>
@@ -3011,6 +3033,7 @@
         <p:spPr/>
         <p:txBody>
           <a:bodyPr/>
+          <a:lstStyle/>
           <a:p>
             <a:r>
               <a:rPr lang="zh-CN" altLang="en-US"/>
@@ -3028,7 +3051,6 @@
               <a:rPr lang="en-US" altLang="zh-CN"/>
               <a:t>.</a:t>
             </a:r>
-            <a:endParaRPr lang="en-US" altLang="zh-CN"/>
           </a:p>
           <a:p>
             <a:r>
@@ -3071,7 +3093,6 @@
               <a:rPr lang="en-US" altLang="zh-CN"/>
               <a:t>.</a:t>
             </a:r>
-            <a:endParaRPr lang="en-US" altLang="zh-CN"/>
           </a:p>
           <a:p>
             <a:r>
@@ -3090,7 +3111,6 @@
               <a:rPr lang="en-US" altLang="zh-CN"/>
               <a:t>.</a:t>
             </a:r>
-            <a:endParaRPr lang="en-US" altLang="zh-CN"/>
           </a:p>
           <a:p>
             <a:r>
@@ -3123,7 +3143,6 @@
               <a:rPr lang="en-US" altLang="zh-CN"/>
               <a:t>(CNN)</a:t>
             </a:r>
-            <a:endParaRPr lang="en-US" altLang="zh-CN"/>
           </a:p>
         </p:txBody>
       </p:sp>
@@ -3144,7 +3163,14 @@
         <p:cNvGrpSpPr/>
         <p:nvPr/>
       </p:nvGrpSpPr>
-      <p:grpSpPr/>
+      <p:grpSpPr>
+        <a:xfrm>
+          <a:off x="0" y="0"/>
+          <a:ext cx="0" cy="0"/>
+          <a:chOff x="0" y="0"/>
+          <a:chExt cx="0" cy="0"/>
+        </a:xfrm>
+      </p:grpSpPr>
       <p:sp>
         <p:nvSpPr>
           <p:cNvPr id="2" name="标题 1"/>
@@ -3158,6 +3184,7 @@
         <p:spPr/>
         <p:txBody>
           <a:bodyPr/>
+          <a:lstStyle/>
           <a:p>
             <a:endParaRPr lang="zh-CN" altLang="en-US"/>
           </a:p>
@@ -3167,14 +3194,14 @@
         <p:nvPicPr>
           <p:cNvPr id="4" name="内容占位符 3"/>
           <p:cNvPicPr>
-            <a:picLocks noChangeAspect="1"/>
+            <a:picLocks noGrp="1" noChangeAspect="1"/>
           </p:cNvPicPr>
           <p:nvPr>
             <p:ph idx="1"/>
           </p:nvPr>
         </p:nvPicPr>
         <p:blipFill>
-          <a:blip r:embed="rId1"/>
+          <a:blip r:embed="rId2" cstate="print"/>
           <a:stretch>
             <a:fillRect/>
           </a:stretch>
@@ -3198,7 +3225,7 @@
           <p:nvPr/>
         </p:nvPicPr>
         <p:blipFill>
-          <a:blip r:embed="rId2"/>
+          <a:blip r:embed="rId3" cstate="print"/>
           <a:stretch>
             <a:fillRect/>
           </a:stretch>
@@ -3222,7 +3249,7 @@
           <p:nvPr/>
         </p:nvPicPr>
         <p:blipFill>
-          <a:blip r:embed="rId3"/>
+          <a:blip r:embed="rId4" cstate="print"/>
           <a:stretch>
             <a:fillRect/>
           </a:stretch>
@@ -3246,7 +3273,7 @@
           <p:nvPr/>
         </p:nvPicPr>
         <p:blipFill>
-          <a:blip r:embed="rId4"/>
+          <a:blip r:embed="rId5" cstate="print"/>
           <a:stretch>
             <a:fillRect/>
           </a:stretch>
@@ -3270,7 +3297,7 @@
           <p:nvPr/>
         </p:nvPicPr>
         <p:blipFill>
-          <a:blip r:embed="rId5"/>
+          <a:blip r:embed="rId6" cstate="print"/>
           <a:stretch>
             <a:fillRect/>
           </a:stretch>
@@ -3302,7 +3329,14 @@
         <p:cNvGrpSpPr/>
         <p:nvPr/>
       </p:nvGrpSpPr>
-      <p:grpSpPr/>
+      <p:grpSpPr>
+        <a:xfrm>
+          <a:off x="0" y="0"/>
+          <a:ext cx="0" cy="0"/>
+          <a:chOff x="0" y="0"/>
+          <a:chExt cx="0" cy="0"/>
+        </a:xfrm>
+      </p:grpSpPr>
       <p:sp>
         <p:nvSpPr>
           <p:cNvPr id="2" name="标题 1"/>
@@ -3316,12 +3350,12 @@
         <p:spPr/>
         <p:txBody>
           <a:bodyPr/>
+          <a:lstStyle/>
           <a:p>
             <a:r>
               <a:rPr lang="zh-CN" altLang="en-US"/>
               <a:t>神经网络的激活函数</a:t>
             </a:r>
-            <a:endParaRPr lang="zh-CN" altLang="en-US"/>
           </a:p>
         </p:txBody>
       </p:sp>
@@ -3338,12 +3372,12 @@
         <p:spPr/>
         <p:txBody>
           <a:bodyPr/>
+          <a:lstStyle/>
           <a:p>
             <a:r>
               <a:rPr lang="zh-CN" altLang="en-US"/>
               <a:t>常用的激活函数主要有：sigmoid函数，tanh函数，ReLU函数。</a:t>
             </a:r>
-            <a:endParaRPr lang="zh-CN" altLang="en-US"/>
           </a:p>
           <a:p>
             <a:endParaRPr lang="zh-CN" altLang="en-US"/>
@@ -3367,7 +3401,14 @@
         <p:cNvGrpSpPr/>
         <p:nvPr/>
       </p:nvGrpSpPr>
-      <p:grpSpPr/>
+      <p:grpSpPr>
+        <a:xfrm>
+          <a:off x="0" y="0"/>
+          <a:ext cx="0" cy="0"/>
+          <a:chOff x="0" y="0"/>
+          <a:chExt cx="0" cy="0"/>
+        </a:xfrm>
+      </p:grpSpPr>
       <p:sp>
         <p:nvSpPr>
           <p:cNvPr id="2" name="标题 1"/>
@@ -3381,6 +3422,7 @@
         <p:spPr/>
         <p:txBody>
           <a:bodyPr/>
+          <a:lstStyle/>
           <a:p>
             <a:endParaRPr lang="zh-CN" altLang="en-US"/>
           </a:p>
@@ -3399,12 +3441,12 @@
         <p:spPr/>
         <p:txBody>
           <a:bodyPr/>
-          <a:p>
-            <a:r>
-              <a:rPr lang="zh-CN" altLang="en-US"/>
+          <a:lstStyle/>
+          <a:p>
+            <a:r>
+              <a:rPr lang="zh-CN" altLang="en-US" dirty="0"/>
               <a:t>https://www.cnblogs.com/lliuye/p/9486500.html</a:t>
             </a:r>
-            <a:endParaRPr lang="zh-CN" altLang="en-US"/>
           </a:p>
         </p:txBody>
       </p:sp>
@@ -3671,7 +3713,7 @@
   <a:extraClrSchemeLst/>
   <a:extLst>
     <a:ext uri="{05A4C25C-085E-4340-85A3-A5531E510DB2}">
-      <thm15:themeFamily xmlns:thm15="http://schemas.microsoft.com/office/thememl/2012/main" name="Office Theme" id="{62F939B6-93AF-4DB8-9C6B-D6C7DFDC589F}" vid="{4A3C46E8-61CC-4603-A589-7422A47A8E4A}"/>
+      <thm15:themeFamily xmlns:thm15="http://schemas.microsoft.com/office/thememl/2012/main" xmlns="" name="Office Theme" id="{62F939B6-93AF-4DB8-9C6B-D6C7DFDC589F}" vid="{4A3C46E8-61CC-4603-A589-7422A47A8E4A}"/>
     </a:ext>
   </a:extLst>
 </a:theme>

--- a/Assets/神经网络手写数字识别.pptx
+++ b/Assets/神经网络手写数字识别.pptx
@@ -5,11 +5,16 @@
     <p:sldMasterId id="2147483648" r:id="rId1"/>
   </p:sldMasterIdLst>
   <p:sldIdLst>
-    <p:sldId id="256" r:id="rId2"/>
-    <p:sldId id="257" r:id="rId3"/>
-    <p:sldId id="258" r:id="rId4"/>
-    <p:sldId id="259" r:id="rId5"/>
-    <p:sldId id="260" r:id="rId6"/>
+    <p:sldId id="256" r:id="rId3"/>
+    <p:sldId id="257" r:id="rId4"/>
+    <p:sldId id="258" r:id="rId5"/>
+    <p:sldId id="261" r:id="rId6"/>
+    <p:sldId id="259" r:id="rId7"/>
+    <p:sldId id="262" r:id="rId8"/>
+    <p:sldId id="263" r:id="rId9"/>
+    <p:sldId id="264" r:id="rId10"/>
+    <p:sldId id="265" r:id="rId11"/>
+    <p:sldId id="260" r:id="rId12"/>
   </p:sldIdLst>
   <p:sldSz cx="12192000" cy="6858000"/>
   <p:notesSz cx="6858000" cy="9144000"/>
@@ -242,8 +247,6 @@
           <a:p>
             <a:fld id="{D997B5FA-0921-464F-AAE1-844C04324D75}" type="datetimeFigureOut">
               <a:rPr lang="zh-CN" altLang="en-US" smtClean="0"/>
-              <a:pPr/>
-              <a:t>2019/1/29</a:t>
             </a:fld>
             <a:endParaRPr lang="zh-CN" altLang="en-US"/>
           </a:p>
@@ -285,8 +288,6 @@
           <a:p>
             <a:fld id="{565CE74E-AB26-4998-AD42-012C4C1AD076}" type="slidenum">
               <a:rPr lang="zh-CN" altLang="en-US" smtClean="0"/>
-              <a:pPr/>
-              <a:t>‹#›</a:t>
             </a:fld>
             <a:endParaRPr lang="zh-CN" altLang="en-US"/>
           </a:p>
@@ -360,6 +361,7 @@
               <a:rPr lang="zh-CN" altLang="en-US" smtClean="0"/>
               <a:t>单击此处编辑母版文本样式</a:t>
             </a:r>
+            <a:endParaRPr lang="zh-CN" altLang="en-US" smtClean="0"/>
           </a:p>
           <a:p>
             <a:pPr lvl="1"/>
@@ -367,6 +369,7 @@
               <a:rPr lang="zh-CN" altLang="en-US" smtClean="0"/>
               <a:t>第二级</a:t>
             </a:r>
+            <a:endParaRPr lang="zh-CN" altLang="en-US" smtClean="0"/>
           </a:p>
           <a:p>
             <a:pPr lvl="2"/>
@@ -374,6 +377,7 @@
               <a:rPr lang="zh-CN" altLang="en-US" smtClean="0"/>
               <a:t>第三级</a:t>
             </a:r>
+            <a:endParaRPr lang="zh-CN" altLang="en-US" smtClean="0"/>
           </a:p>
           <a:p>
             <a:pPr lvl="3"/>
@@ -381,6 +385,7 @@
               <a:rPr lang="zh-CN" altLang="en-US" smtClean="0"/>
               <a:t>第四级</a:t>
             </a:r>
+            <a:endParaRPr lang="zh-CN" altLang="en-US" smtClean="0"/>
           </a:p>
           <a:p>
             <a:pPr lvl="4"/>
@@ -409,8 +414,6 @@
           <a:p>
             <a:fld id="{D997B5FA-0921-464F-AAE1-844C04324D75}" type="datetimeFigureOut">
               <a:rPr lang="zh-CN" altLang="en-US" smtClean="0"/>
-              <a:pPr/>
-              <a:t>2019/1/29</a:t>
             </a:fld>
             <a:endParaRPr lang="zh-CN" altLang="en-US"/>
           </a:p>
@@ -452,8 +455,6 @@
           <a:p>
             <a:fld id="{565CE74E-AB26-4998-AD42-012C4C1AD076}" type="slidenum">
               <a:rPr lang="zh-CN" altLang="en-US" smtClean="0"/>
-              <a:pPr/>
-              <a:t>‹#›</a:t>
             </a:fld>
             <a:endParaRPr lang="zh-CN" altLang="en-US"/>
           </a:p>
@@ -537,6 +538,7 @@
               <a:rPr lang="zh-CN" altLang="en-US" smtClean="0"/>
               <a:t>单击此处编辑母版文本样式</a:t>
             </a:r>
+            <a:endParaRPr lang="zh-CN" altLang="en-US" smtClean="0"/>
           </a:p>
           <a:p>
             <a:pPr lvl="1"/>
@@ -544,6 +546,7 @@
               <a:rPr lang="zh-CN" altLang="en-US" smtClean="0"/>
               <a:t>第二级</a:t>
             </a:r>
+            <a:endParaRPr lang="zh-CN" altLang="en-US" smtClean="0"/>
           </a:p>
           <a:p>
             <a:pPr lvl="2"/>
@@ -551,6 +554,7 @@
               <a:rPr lang="zh-CN" altLang="en-US" smtClean="0"/>
               <a:t>第三级</a:t>
             </a:r>
+            <a:endParaRPr lang="zh-CN" altLang="en-US" smtClean="0"/>
           </a:p>
           <a:p>
             <a:pPr lvl="3"/>
@@ -558,6 +562,7 @@
               <a:rPr lang="zh-CN" altLang="en-US" smtClean="0"/>
               <a:t>第四级</a:t>
             </a:r>
+            <a:endParaRPr lang="zh-CN" altLang="en-US" smtClean="0"/>
           </a:p>
           <a:p>
             <a:pPr lvl="4"/>
@@ -586,8 +591,6 @@
           <a:p>
             <a:fld id="{D997B5FA-0921-464F-AAE1-844C04324D75}" type="datetimeFigureOut">
               <a:rPr lang="zh-CN" altLang="en-US" smtClean="0"/>
-              <a:pPr/>
-              <a:t>2019/1/29</a:t>
             </a:fld>
             <a:endParaRPr lang="zh-CN" altLang="en-US"/>
           </a:p>
@@ -629,8 +632,6 @@
           <a:p>
             <a:fld id="{565CE74E-AB26-4998-AD42-012C4C1AD076}" type="slidenum">
               <a:rPr lang="zh-CN" altLang="en-US" smtClean="0"/>
-              <a:pPr/>
-              <a:t>‹#›</a:t>
             </a:fld>
             <a:endParaRPr lang="zh-CN" altLang="en-US"/>
           </a:p>
@@ -704,6 +705,7 @@
               <a:rPr lang="zh-CN" altLang="en-US" smtClean="0"/>
               <a:t>单击此处编辑母版文本样式</a:t>
             </a:r>
+            <a:endParaRPr lang="zh-CN" altLang="en-US" smtClean="0"/>
           </a:p>
           <a:p>
             <a:pPr lvl="1"/>
@@ -711,6 +713,7 @@
               <a:rPr lang="zh-CN" altLang="en-US" smtClean="0"/>
               <a:t>第二级</a:t>
             </a:r>
+            <a:endParaRPr lang="zh-CN" altLang="en-US" smtClean="0"/>
           </a:p>
           <a:p>
             <a:pPr lvl="2"/>
@@ -718,6 +721,7 @@
               <a:rPr lang="zh-CN" altLang="en-US" smtClean="0"/>
               <a:t>第三级</a:t>
             </a:r>
+            <a:endParaRPr lang="zh-CN" altLang="en-US" smtClean="0"/>
           </a:p>
           <a:p>
             <a:pPr lvl="3"/>
@@ -725,6 +729,7 @@
               <a:rPr lang="zh-CN" altLang="en-US" smtClean="0"/>
               <a:t>第四级</a:t>
             </a:r>
+            <a:endParaRPr lang="zh-CN" altLang="en-US" smtClean="0"/>
           </a:p>
           <a:p>
             <a:pPr lvl="4"/>
@@ -753,8 +758,6 @@
           <a:p>
             <a:fld id="{D997B5FA-0921-464F-AAE1-844C04324D75}" type="datetimeFigureOut">
               <a:rPr lang="zh-CN" altLang="en-US" smtClean="0"/>
-              <a:pPr/>
-              <a:t>2019/1/29</a:t>
             </a:fld>
             <a:endParaRPr lang="zh-CN" altLang="en-US"/>
           </a:p>
@@ -796,8 +799,6 @@
           <a:p>
             <a:fld id="{565CE74E-AB26-4998-AD42-012C4C1AD076}" type="slidenum">
               <a:rPr lang="zh-CN" altLang="en-US" smtClean="0"/>
-              <a:pPr/>
-              <a:t>‹#›</a:t>
             </a:fld>
             <a:endParaRPr lang="zh-CN" altLang="en-US"/>
           </a:p>
@@ -976,6 +977,7 @@
               <a:rPr lang="zh-CN" altLang="en-US" smtClean="0"/>
               <a:t>单击此处编辑母版文本样式</a:t>
             </a:r>
+            <a:endParaRPr lang="zh-CN" altLang="en-US" smtClean="0"/>
           </a:p>
         </p:txBody>
       </p:sp>
@@ -996,8 +998,6 @@
           <a:p>
             <a:fld id="{D997B5FA-0921-464F-AAE1-844C04324D75}" type="datetimeFigureOut">
               <a:rPr lang="zh-CN" altLang="en-US" smtClean="0"/>
-              <a:pPr/>
-              <a:t>2019/1/29</a:t>
             </a:fld>
             <a:endParaRPr lang="zh-CN" altLang="en-US"/>
           </a:p>
@@ -1039,8 +1039,6 @@
           <a:p>
             <a:fld id="{565CE74E-AB26-4998-AD42-012C4C1AD076}" type="slidenum">
               <a:rPr lang="zh-CN" altLang="en-US" smtClean="0"/>
-              <a:pPr/>
-              <a:t>‹#›</a:t>
             </a:fld>
             <a:endParaRPr lang="zh-CN" altLang="en-US"/>
           </a:p>
@@ -1119,6 +1117,7 @@
               <a:rPr lang="zh-CN" altLang="en-US" smtClean="0"/>
               <a:t>单击此处编辑母版文本样式</a:t>
             </a:r>
+            <a:endParaRPr lang="zh-CN" altLang="en-US" smtClean="0"/>
           </a:p>
           <a:p>
             <a:pPr lvl="1"/>
@@ -1126,6 +1125,7 @@
               <a:rPr lang="zh-CN" altLang="en-US" smtClean="0"/>
               <a:t>第二级</a:t>
             </a:r>
+            <a:endParaRPr lang="zh-CN" altLang="en-US" smtClean="0"/>
           </a:p>
           <a:p>
             <a:pPr lvl="2"/>
@@ -1133,6 +1133,7 @@
               <a:rPr lang="zh-CN" altLang="en-US" smtClean="0"/>
               <a:t>第三级</a:t>
             </a:r>
+            <a:endParaRPr lang="zh-CN" altLang="en-US" smtClean="0"/>
           </a:p>
           <a:p>
             <a:pPr lvl="3"/>
@@ -1140,6 +1141,7 @@
               <a:rPr lang="zh-CN" altLang="en-US" smtClean="0"/>
               <a:t>第四级</a:t>
             </a:r>
+            <a:endParaRPr lang="zh-CN" altLang="en-US" smtClean="0"/>
           </a:p>
           <a:p>
             <a:pPr lvl="4"/>
@@ -1176,6 +1178,7 @@
               <a:rPr lang="zh-CN" altLang="en-US" smtClean="0"/>
               <a:t>单击此处编辑母版文本样式</a:t>
             </a:r>
+            <a:endParaRPr lang="zh-CN" altLang="en-US" smtClean="0"/>
           </a:p>
           <a:p>
             <a:pPr lvl="1"/>
@@ -1183,6 +1186,7 @@
               <a:rPr lang="zh-CN" altLang="en-US" smtClean="0"/>
               <a:t>第二级</a:t>
             </a:r>
+            <a:endParaRPr lang="zh-CN" altLang="en-US" smtClean="0"/>
           </a:p>
           <a:p>
             <a:pPr lvl="2"/>
@@ -1190,6 +1194,7 @@
               <a:rPr lang="zh-CN" altLang="en-US" smtClean="0"/>
               <a:t>第三级</a:t>
             </a:r>
+            <a:endParaRPr lang="zh-CN" altLang="en-US" smtClean="0"/>
           </a:p>
           <a:p>
             <a:pPr lvl="3"/>
@@ -1197,6 +1202,7 @@
               <a:rPr lang="zh-CN" altLang="en-US" smtClean="0"/>
               <a:t>第四级</a:t>
             </a:r>
+            <a:endParaRPr lang="zh-CN" altLang="en-US" smtClean="0"/>
           </a:p>
           <a:p>
             <a:pPr lvl="4"/>
@@ -1225,8 +1231,6 @@
           <a:p>
             <a:fld id="{D997B5FA-0921-464F-AAE1-844C04324D75}" type="datetimeFigureOut">
               <a:rPr lang="zh-CN" altLang="en-US" smtClean="0"/>
-              <a:pPr/>
-              <a:t>2019/1/29</a:t>
             </a:fld>
             <a:endParaRPr lang="zh-CN" altLang="en-US"/>
           </a:p>
@@ -1268,8 +1272,6 @@
           <a:p>
             <a:fld id="{565CE74E-AB26-4998-AD42-012C4C1AD076}" type="slidenum">
               <a:rPr lang="zh-CN" altLang="en-US" smtClean="0"/>
-              <a:pPr/>
-              <a:t>‹#›</a:t>
             </a:fld>
             <a:endParaRPr lang="zh-CN" altLang="en-US"/>
           </a:p>
@@ -1390,6 +1392,7 @@
               <a:rPr lang="zh-CN" altLang="en-US" smtClean="0"/>
               <a:t>单击此处编辑母版文本样式</a:t>
             </a:r>
+            <a:endParaRPr lang="zh-CN" altLang="en-US" smtClean="0"/>
           </a:p>
         </p:txBody>
       </p:sp>
@@ -1418,6 +1421,7 @@
               <a:rPr lang="zh-CN" altLang="en-US" smtClean="0"/>
               <a:t>单击此处编辑母版文本样式</a:t>
             </a:r>
+            <a:endParaRPr lang="zh-CN" altLang="en-US" smtClean="0"/>
           </a:p>
           <a:p>
             <a:pPr lvl="1"/>
@@ -1425,6 +1429,7 @@
               <a:rPr lang="zh-CN" altLang="en-US" smtClean="0"/>
               <a:t>第二级</a:t>
             </a:r>
+            <a:endParaRPr lang="zh-CN" altLang="en-US" smtClean="0"/>
           </a:p>
           <a:p>
             <a:pPr lvl="2"/>
@@ -1432,6 +1437,7 @@
               <a:rPr lang="zh-CN" altLang="en-US" smtClean="0"/>
               <a:t>第三级</a:t>
             </a:r>
+            <a:endParaRPr lang="zh-CN" altLang="en-US" smtClean="0"/>
           </a:p>
           <a:p>
             <a:pPr lvl="3"/>
@@ -1439,6 +1445,7 @@
               <a:rPr lang="zh-CN" altLang="en-US" smtClean="0"/>
               <a:t>第四级</a:t>
             </a:r>
+            <a:endParaRPr lang="zh-CN" altLang="en-US" smtClean="0"/>
           </a:p>
           <a:p>
             <a:pPr lvl="4"/>
@@ -1512,6 +1519,7 @@
               <a:rPr lang="zh-CN" altLang="en-US" smtClean="0"/>
               <a:t>单击此处编辑母版文本样式</a:t>
             </a:r>
+            <a:endParaRPr lang="zh-CN" altLang="en-US" smtClean="0"/>
           </a:p>
         </p:txBody>
       </p:sp>
@@ -1540,6 +1548,7 @@
               <a:rPr lang="zh-CN" altLang="en-US" smtClean="0"/>
               <a:t>单击此处编辑母版文本样式</a:t>
             </a:r>
+            <a:endParaRPr lang="zh-CN" altLang="en-US" smtClean="0"/>
           </a:p>
           <a:p>
             <a:pPr lvl="1"/>
@@ -1547,6 +1556,7 @@
               <a:rPr lang="zh-CN" altLang="en-US" smtClean="0"/>
               <a:t>第二级</a:t>
             </a:r>
+            <a:endParaRPr lang="zh-CN" altLang="en-US" smtClean="0"/>
           </a:p>
           <a:p>
             <a:pPr lvl="2"/>
@@ -1554,6 +1564,7 @@
               <a:rPr lang="zh-CN" altLang="en-US" smtClean="0"/>
               <a:t>第三级</a:t>
             </a:r>
+            <a:endParaRPr lang="zh-CN" altLang="en-US" smtClean="0"/>
           </a:p>
           <a:p>
             <a:pPr lvl="3"/>
@@ -1561,6 +1572,7 @@
               <a:rPr lang="zh-CN" altLang="en-US" smtClean="0"/>
               <a:t>第四级</a:t>
             </a:r>
+            <a:endParaRPr lang="zh-CN" altLang="en-US" smtClean="0"/>
           </a:p>
           <a:p>
             <a:pPr lvl="4"/>
@@ -1589,8 +1601,6 @@
           <a:p>
             <a:fld id="{D997B5FA-0921-464F-AAE1-844C04324D75}" type="datetimeFigureOut">
               <a:rPr lang="zh-CN" altLang="en-US" smtClean="0"/>
-              <a:pPr/>
-              <a:t>2019/1/29</a:t>
             </a:fld>
             <a:endParaRPr lang="zh-CN" altLang="en-US"/>
           </a:p>
@@ -1632,8 +1642,6 @@
           <a:p>
             <a:fld id="{565CE74E-AB26-4998-AD42-012C4C1AD076}" type="slidenum">
               <a:rPr lang="zh-CN" altLang="en-US" smtClean="0"/>
-              <a:pPr/>
-              <a:t>‹#›</a:t>
             </a:fld>
             <a:endParaRPr lang="zh-CN" altLang="en-US"/>
           </a:p>
@@ -1704,8 +1712,6 @@
           <a:p>
             <a:fld id="{D997B5FA-0921-464F-AAE1-844C04324D75}" type="datetimeFigureOut">
               <a:rPr lang="zh-CN" altLang="en-US" smtClean="0"/>
-              <a:pPr/>
-              <a:t>2019/1/29</a:t>
             </a:fld>
             <a:endParaRPr lang="zh-CN" altLang="en-US"/>
           </a:p>
@@ -1747,8 +1753,6 @@
           <a:p>
             <a:fld id="{565CE74E-AB26-4998-AD42-012C4C1AD076}" type="slidenum">
               <a:rPr lang="zh-CN" altLang="en-US" smtClean="0"/>
-              <a:pPr/>
-              <a:t>‹#›</a:t>
             </a:fld>
             <a:endParaRPr lang="zh-CN" altLang="en-US"/>
           </a:p>
@@ -1796,8 +1800,6 @@
           <a:p>
             <a:fld id="{D997B5FA-0921-464F-AAE1-844C04324D75}" type="datetimeFigureOut">
               <a:rPr lang="zh-CN" altLang="en-US" smtClean="0"/>
-              <a:pPr/>
-              <a:t>2019/1/29</a:t>
             </a:fld>
             <a:endParaRPr lang="zh-CN" altLang="en-US"/>
           </a:p>
@@ -1839,8 +1841,6 @@
           <a:p>
             <a:fld id="{565CE74E-AB26-4998-AD42-012C4C1AD076}" type="slidenum">
               <a:rPr lang="zh-CN" altLang="en-US" smtClean="0"/>
-              <a:pPr/>
-              <a:t>‹#›</a:t>
             </a:fld>
             <a:endParaRPr lang="zh-CN" altLang="en-US"/>
           </a:p>
@@ -1956,6 +1956,7 @@
               <a:rPr lang="zh-CN" altLang="en-US" smtClean="0"/>
               <a:t>单击此处编辑母版文本样式</a:t>
             </a:r>
+            <a:endParaRPr lang="zh-CN" altLang="en-US" smtClean="0"/>
           </a:p>
           <a:p>
             <a:pPr lvl="1"/>
@@ -1963,6 +1964,7 @@
               <a:rPr lang="zh-CN" altLang="en-US" smtClean="0"/>
               <a:t>第二级</a:t>
             </a:r>
+            <a:endParaRPr lang="zh-CN" altLang="en-US" smtClean="0"/>
           </a:p>
           <a:p>
             <a:pPr lvl="2"/>
@@ -1970,6 +1972,7 @@
               <a:rPr lang="zh-CN" altLang="en-US" smtClean="0"/>
               <a:t>第三级</a:t>
             </a:r>
+            <a:endParaRPr lang="zh-CN" altLang="en-US" smtClean="0"/>
           </a:p>
           <a:p>
             <a:pPr lvl="3"/>
@@ -1977,6 +1980,7 @@
               <a:rPr lang="zh-CN" altLang="en-US" smtClean="0"/>
               <a:t>第四级</a:t>
             </a:r>
+            <a:endParaRPr lang="zh-CN" altLang="en-US" smtClean="0"/>
           </a:p>
           <a:p>
             <a:pPr lvl="4"/>
@@ -2050,6 +2054,7 @@
               <a:rPr lang="zh-CN" altLang="en-US" smtClean="0"/>
               <a:t>单击此处编辑母版文本样式</a:t>
             </a:r>
+            <a:endParaRPr lang="zh-CN" altLang="en-US" smtClean="0"/>
           </a:p>
         </p:txBody>
       </p:sp>
@@ -2070,8 +2075,6 @@
           <a:p>
             <a:fld id="{D997B5FA-0921-464F-AAE1-844C04324D75}" type="datetimeFigureOut">
               <a:rPr lang="zh-CN" altLang="en-US" smtClean="0"/>
-              <a:pPr/>
-              <a:t>2019/1/29</a:t>
             </a:fld>
             <a:endParaRPr lang="zh-CN" altLang="en-US"/>
           </a:p>
@@ -2113,8 +2116,6 @@
           <a:p>
             <a:fld id="{565CE74E-AB26-4998-AD42-012C4C1AD076}" type="slidenum">
               <a:rPr lang="zh-CN" altLang="en-US" smtClean="0"/>
-              <a:pPr/>
-              <a:t>‹#›</a:t>
             </a:fld>
             <a:endParaRPr lang="zh-CN" altLang="en-US"/>
           </a:p>
@@ -2300,6 +2301,7 @@
               <a:rPr lang="zh-CN" altLang="en-US" smtClean="0"/>
               <a:t>单击此处编辑母版文本样式</a:t>
             </a:r>
+            <a:endParaRPr lang="zh-CN" altLang="en-US" smtClean="0"/>
           </a:p>
         </p:txBody>
       </p:sp>
@@ -2320,8 +2322,6 @@
           <a:p>
             <a:fld id="{D997B5FA-0921-464F-AAE1-844C04324D75}" type="datetimeFigureOut">
               <a:rPr lang="zh-CN" altLang="en-US" smtClean="0"/>
-              <a:pPr/>
-              <a:t>2019/1/29</a:t>
             </a:fld>
             <a:endParaRPr lang="zh-CN" altLang="en-US"/>
           </a:p>
@@ -2363,8 +2363,6 @@
           <a:p>
             <a:fld id="{565CE74E-AB26-4998-AD42-012C4C1AD076}" type="slidenum">
               <a:rPr lang="zh-CN" altLang="en-US" smtClean="0"/>
-              <a:pPr/>
-              <a:t>‹#›</a:t>
             </a:fld>
             <a:endParaRPr lang="zh-CN" altLang="en-US"/>
           </a:p>
@@ -2463,6 +2461,7 @@
               <a:rPr lang="zh-CN" altLang="en-US" smtClean="0"/>
               <a:t>单击此处编辑母版文本样式</a:t>
             </a:r>
+            <a:endParaRPr lang="zh-CN" altLang="en-US" smtClean="0"/>
           </a:p>
           <a:p>
             <a:pPr lvl="1"/>
@@ -2470,6 +2469,7 @@
               <a:rPr lang="zh-CN" altLang="en-US" smtClean="0"/>
               <a:t>第二级</a:t>
             </a:r>
+            <a:endParaRPr lang="zh-CN" altLang="en-US" smtClean="0"/>
           </a:p>
           <a:p>
             <a:pPr lvl="2"/>
@@ -2477,6 +2477,7 @@
               <a:rPr lang="zh-CN" altLang="en-US" smtClean="0"/>
               <a:t>第三级</a:t>
             </a:r>
+            <a:endParaRPr lang="zh-CN" altLang="en-US" smtClean="0"/>
           </a:p>
           <a:p>
             <a:pPr lvl="3"/>
@@ -2484,6 +2485,7 @@
               <a:rPr lang="zh-CN" altLang="en-US" smtClean="0"/>
               <a:t>第四级</a:t>
             </a:r>
+            <a:endParaRPr lang="zh-CN" altLang="en-US" smtClean="0"/>
           </a:p>
           <a:p>
             <a:pPr lvl="4"/>
@@ -2530,8 +2532,6 @@
           <a:p>
             <a:fld id="{D997B5FA-0921-464F-AAE1-844C04324D75}" type="datetimeFigureOut">
               <a:rPr lang="zh-CN" altLang="en-US" smtClean="0"/>
-              <a:pPr/>
-              <a:t>2019/1/29</a:t>
             </a:fld>
             <a:endParaRPr lang="zh-CN" altLang="en-US"/>
           </a:p>
@@ -2609,8 +2609,6 @@
           <a:p>
             <a:fld id="{565CE74E-AB26-4998-AD42-012C4C1AD076}" type="slidenum">
               <a:rPr lang="zh-CN" altLang="en-US" smtClean="0"/>
-              <a:pPr/>
-              <a:t>‹#›</a:t>
             </a:fld>
             <a:endParaRPr lang="zh-CN" altLang="en-US"/>
           </a:p>
@@ -2918,6 +2916,19 @@
 <file path=ppt/slides/slide1.xml><?xml version="1.0" encoding="utf-8"?>
 <p:sld xmlns:a="http://schemas.openxmlformats.org/drawingml/2006/main" xmlns:r="http://schemas.openxmlformats.org/officeDocument/2006/relationships" xmlns:p="http://schemas.openxmlformats.org/presentationml/2006/main">
   <p:cSld>
+    <p:bg>
+      <p:bgPr>
+        <a:pattFill prst="pct80">
+          <a:fgClr>
+            <a:schemeClr val="accent1"/>
+          </a:fgClr>
+          <a:bgClr>
+            <a:schemeClr val="bg1"/>
+          </a:bgClr>
+        </a:pattFill>
+        <a:effectLst/>
+      </p:bgPr>
+    </p:bg>
     <p:spTree>
       <p:nvGrpSpPr>
         <p:cNvPr id="1" name=""/>
@@ -2951,6 +2962,7 @@
               <a:rPr lang="zh-CN" altLang="zh-CN"/>
               <a:t>神经网络手写数字识别</a:t>
             </a:r>
+            <a:endParaRPr lang="zh-CN" altLang="zh-CN"/>
           </a:p>
         </p:txBody>
       </p:sp>
@@ -2974,6 +2986,9 @@
         </p:txBody>
       </p:sp>
     </p:spTree>
+    <p:custDataLst>
+      <p:tags r:id="rId1"/>
+    </p:custDataLst>
   </p:cSld>
   <p:clrMapOvr>
     <a:masterClrMapping/>
@@ -2981,9 +2996,22 @@
 </p:sld>
 </file>
 
-<file path=ppt/slides/slide2.xml><?xml version="1.0" encoding="utf-8"?>
+<file path=ppt/slides/slide10.xml><?xml version="1.0" encoding="utf-8"?>
 <p:sld xmlns:a="http://schemas.openxmlformats.org/drawingml/2006/main" xmlns:r="http://schemas.openxmlformats.org/officeDocument/2006/relationships" xmlns:p="http://schemas.openxmlformats.org/presentationml/2006/main">
   <p:cSld>
+    <p:bg>
+      <p:bgPr>
+        <a:pattFill prst="pct80">
+          <a:fgClr>
+            <a:schemeClr val="accent1"/>
+          </a:fgClr>
+          <a:bgClr>
+            <a:schemeClr val="bg1"/>
+          </a:bgClr>
+        </a:pattFill>
+        <a:effectLst/>
+      </p:bgPr>
+    </p:bg>
     <p:spTree>
       <p:nvGrpSpPr>
         <p:cNvPr id="1" name=""/>
@@ -3015,8 +3043,9 @@
           <a:p>
             <a:r>
               <a:rPr lang="zh-CN" altLang="en-US"/>
-              <a:t>概念</a:t>
-            </a:r>
+              <a:t>参考文章</a:t>
+            </a:r>
+            <a:endParaRPr lang="zh-CN" altLang="en-US"/>
           </a:p>
         </p:txBody>
       </p:sp>
@@ -3036,113 +3065,20 @@
           <a:lstStyle/>
           <a:p>
             <a:r>
-              <a:rPr lang="zh-CN" altLang="en-US"/>
-              <a:t>神经网络是模拟脑细胞激活而创造的数学模型</a:t>
-            </a:r>
-            <a:r>
-              <a:rPr lang="en-US" altLang="zh-CN"/>
-              <a:t>, </a:t>
-            </a:r>
-            <a:r>
-              <a:rPr lang="zh-CN" altLang="en-US"/>
-              <a:t>一种概念上的仿生</a:t>
-            </a:r>
-            <a:r>
-              <a:rPr lang="en-US" altLang="zh-CN"/>
-              <a:t>.</a:t>
-            </a:r>
-          </a:p>
-          <a:p>
-            <a:r>
-              <a:rPr lang="zh-CN" altLang="en-US"/>
-              <a:t>本质上是个分类器</a:t>
-            </a:r>
-            <a:r>
-              <a:rPr lang="en-US" altLang="zh-CN"/>
-              <a:t>, </a:t>
-            </a:r>
-            <a:r>
-              <a:rPr lang="zh-CN" altLang="en-US"/>
-              <a:t>依靠抽取特征进行分类</a:t>
-            </a:r>
-            <a:r>
-              <a:rPr lang="en-US" altLang="zh-CN"/>
-              <a:t>, </a:t>
-            </a:r>
-            <a:r>
-              <a:rPr lang="zh-CN" altLang="en-US"/>
-              <a:t>需要不断将数据</a:t>
-            </a:r>
-            <a:r>
-              <a:rPr lang="en-US" altLang="zh-CN"/>
-              <a:t>”</a:t>
-            </a:r>
-            <a:r>
-              <a:rPr lang="zh-CN" altLang="en-US"/>
-              <a:t>喂进去</a:t>
-            </a:r>
-            <a:r>
-              <a:rPr lang="en-US" altLang="zh-CN"/>
-              <a:t>”</a:t>
-            </a:r>
-            <a:r>
-              <a:rPr lang="zh-CN" altLang="en-US"/>
-              <a:t>形成数据模型</a:t>
-            </a:r>
-            <a:r>
-              <a:rPr lang="en-US" altLang="zh-CN"/>
-              <a:t>.</a:t>
-            </a:r>
-          </a:p>
-          <a:p>
-            <a:r>
-              <a:rPr lang="zh-CN" altLang="en-US"/>
-              <a:t>使用数据对模型进行演化</a:t>
-            </a:r>
-            <a:r>
-              <a:rPr lang="en-US" altLang="zh-CN"/>
-              <a:t>, </a:t>
-            </a:r>
-            <a:r>
-              <a:rPr lang="zh-CN" altLang="en-US"/>
-              <a:t>演化的过程可以省略人工</a:t>
-            </a:r>
-            <a:r>
-              <a:rPr lang="en-US" altLang="zh-CN"/>
-              <a:t>.</a:t>
-            </a:r>
-          </a:p>
-          <a:p>
-            <a:r>
-              <a:rPr lang="zh-CN" altLang="en-US">
-                <a:sym typeface="+mn-ea"/>
-              </a:rPr>
-              <a:t>手写数字识别主要</a:t>
-            </a:r>
-            <a:r>
-              <a:rPr lang="zh-CN" altLang="en-US"/>
-              <a:t>类型</a:t>
-            </a:r>
-            <a:r>
-              <a:rPr lang="en-US" altLang="zh-CN"/>
-              <a:t>: </a:t>
-            </a:r>
-            <a:r>
-              <a:rPr lang="zh-CN" altLang="en-US"/>
-              <a:t>全连接网络</a:t>
-            </a:r>
-            <a:r>
-              <a:rPr lang="en-US" altLang="zh-CN"/>
-              <a:t>, </a:t>
-            </a:r>
-            <a:r>
-              <a:rPr lang="zh-CN" altLang="en-US"/>
-              <a:t>卷积神经网络</a:t>
-            </a:r>
-            <a:r>
-              <a:rPr lang="en-US" altLang="zh-CN"/>
-              <a:t>(CNN)</a:t>
-            </a:r>
+              <a:rPr lang="zh-CN" altLang="en-US" dirty="0"/>
+              <a:t>https://www.cnblogs.com/lliuye/p/9486500.html 激活函数</a:t>
+            </a:r>
+            <a:endParaRPr lang="zh-CN" altLang="en-US" dirty="0"/>
+          </a:p>
+          <a:p>
+            <a:r>
+              <a:rPr lang="zh-CN" altLang="en-US" dirty="0"/>
+              <a:t>https://blog.csdn.net/qq826364410/article/details/78509783 原理</a:t>
+            </a:r>
+            <a:endParaRPr lang="zh-CN" altLang="en-US" dirty="0"/>
+          </a:p>
+          <a:p>
+            <a:endParaRPr lang="zh-CN" altLang="en-US" dirty="0"/>
           </a:p>
         </p:txBody>
       </p:sp>
@@ -3154,9 +3090,22 @@
 </p:sld>
 </file>
 
-<file path=ppt/slides/slide3.xml><?xml version="1.0" encoding="utf-8"?>
+<file path=ppt/slides/slide2.xml><?xml version="1.0" encoding="utf-8"?>
 <p:sld xmlns:a="http://schemas.openxmlformats.org/drawingml/2006/main" xmlns:r="http://schemas.openxmlformats.org/officeDocument/2006/relationships" xmlns:p="http://schemas.openxmlformats.org/presentationml/2006/main">
   <p:cSld>
+    <p:bg>
+      <p:bgPr>
+        <a:pattFill prst="pct80">
+          <a:fgClr>
+            <a:schemeClr val="accent1"/>
+          </a:fgClr>
+          <a:bgClr>
+            <a:schemeClr val="bg1"/>
+          </a:bgClr>
+        </a:pattFill>
+        <a:effectLst/>
+      </p:bgPr>
+    </p:bg>
     <p:spTree>
       <p:nvGrpSpPr>
         <p:cNvPr id="1" name=""/>
@@ -3186,6 +3135,197 @@
           <a:bodyPr/>
           <a:lstStyle/>
           <a:p>
+            <a:r>
+              <a:rPr lang="zh-CN" altLang="en-US"/>
+              <a:t>概念</a:t>
+            </a:r>
+            <a:endParaRPr lang="zh-CN" altLang="en-US"/>
+          </a:p>
+        </p:txBody>
+      </p:sp>
+      <p:sp>
+        <p:nvSpPr>
+          <p:cNvPr id="3" name="内容占位符 2"/>
+          <p:cNvSpPr>
+            <a:spLocks noGrp="1"/>
+          </p:cNvSpPr>
+          <p:nvPr>
+            <p:ph idx="1"/>
+          </p:nvPr>
+        </p:nvSpPr>
+        <p:spPr/>
+        <p:txBody>
+          <a:bodyPr/>
+          <a:lstStyle/>
+          <a:p>
+            <a:r>
+              <a:rPr lang="zh-CN" altLang="en-US"/>
+              <a:t>神经网络是模拟脑细胞激活而创造的数学模型</a:t>
+            </a:r>
+            <a:r>
+              <a:rPr lang="en-US" altLang="zh-CN"/>
+              <a:t>, </a:t>
+            </a:r>
+            <a:r>
+              <a:rPr lang="zh-CN" altLang="en-US"/>
+              <a:t>一种概念上的仿生</a:t>
+            </a:r>
+            <a:r>
+              <a:rPr lang="en-US" altLang="zh-CN"/>
+              <a:t>.</a:t>
+            </a:r>
+            <a:endParaRPr lang="en-US" altLang="zh-CN"/>
+          </a:p>
+          <a:p>
+            <a:r>
+              <a:rPr lang="zh-CN" altLang="en-US"/>
+              <a:t>本质上是个分类器</a:t>
+            </a:r>
+            <a:r>
+              <a:rPr lang="en-US" altLang="zh-CN"/>
+              <a:t>, </a:t>
+            </a:r>
+            <a:r>
+              <a:rPr lang="zh-CN" altLang="en-US"/>
+              <a:t>依靠抽取特征进行分类</a:t>
+            </a:r>
+            <a:r>
+              <a:rPr lang="en-US" altLang="zh-CN"/>
+              <a:t>, </a:t>
+            </a:r>
+            <a:r>
+              <a:rPr lang="zh-CN" altLang="en-US"/>
+              <a:t>需要不断将数据</a:t>
+            </a:r>
+            <a:r>
+              <a:rPr lang="en-US" altLang="zh-CN"/>
+              <a:t>”</a:t>
+            </a:r>
+            <a:r>
+              <a:rPr lang="zh-CN" altLang="en-US"/>
+              <a:t>喂进去</a:t>
+            </a:r>
+            <a:r>
+              <a:rPr lang="en-US" altLang="zh-CN"/>
+              <a:t>”</a:t>
+            </a:r>
+            <a:r>
+              <a:rPr lang="zh-CN" altLang="en-US"/>
+              <a:t>形成数据模型</a:t>
+            </a:r>
+            <a:r>
+              <a:rPr lang="en-US" altLang="zh-CN"/>
+              <a:t>.</a:t>
+            </a:r>
+            <a:endParaRPr lang="en-US" altLang="zh-CN"/>
+          </a:p>
+          <a:p>
+            <a:r>
+              <a:rPr lang="zh-CN" altLang="en-US"/>
+              <a:t>使用数据对模型进行演化</a:t>
+            </a:r>
+            <a:r>
+              <a:rPr lang="en-US" altLang="zh-CN"/>
+              <a:t>, </a:t>
+            </a:r>
+            <a:r>
+              <a:rPr lang="zh-CN" altLang="en-US"/>
+              <a:t>演化的过程可以省略人工</a:t>
+            </a:r>
+            <a:r>
+              <a:rPr lang="en-US" altLang="zh-CN"/>
+              <a:t>.</a:t>
+            </a:r>
+            <a:endParaRPr lang="en-US" altLang="zh-CN"/>
+          </a:p>
+          <a:p>
+            <a:r>
+              <a:rPr lang="zh-CN" altLang="en-US">
+                <a:sym typeface="+mn-ea"/>
+              </a:rPr>
+              <a:t>手写数字识别主要</a:t>
+            </a:r>
+            <a:r>
+              <a:rPr lang="zh-CN" altLang="en-US"/>
+              <a:t>类型</a:t>
+            </a:r>
+            <a:r>
+              <a:rPr lang="en-US" altLang="zh-CN"/>
+              <a:t>: </a:t>
+            </a:r>
+            <a:r>
+              <a:rPr lang="zh-CN" altLang="en-US"/>
+              <a:t>全连接网络</a:t>
+            </a:r>
+            <a:r>
+              <a:rPr lang="en-US" altLang="zh-CN"/>
+              <a:t>, </a:t>
+            </a:r>
+            <a:r>
+              <a:rPr lang="zh-CN" altLang="en-US"/>
+              <a:t>卷积神经网络</a:t>
+            </a:r>
+            <a:r>
+              <a:rPr lang="en-US" altLang="zh-CN"/>
+              <a:t>(CNN)</a:t>
+            </a:r>
+            <a:endParaRPr lang="en-US" altLang="zh-CN"/>
+          </a:p>
+        </p:txBody>
+      </p:sp>
+    </p:spTree>
+  </p:cSld>
+  <p:clrMapOvr>
+    <a:masterClrMapping/>
+  </p:clrMapOvr>
+</p:sld>
+</file>
+
+<file path=ppt/slides/slide3.xml><?xml version="1.0" encoding="utf-8"?>
+<p:sld xmlns:a="http://schemas.openxmlformats.org/drawingml/2006/main" xmlns:r="http://schemas.openxmlformats.org/officeDocument/2006/relationships" xmlns:p="http://schemas.openxmlformats.org/presentationml/2006/main">
+  <p:cSld>
+    <p:bg>
+      <p:bgPr>
+        <a:pattFill prst="pct80">
+          <a:fgClr>
+            <a:schemeClr val="accent1"/>
+          </a:fgClr>
+          <a:bgClr>
+            <a:schemeClr val="bg1"/>
+          </a:bgClr>
+        </a:pattFill>
+        <a:effectLst/>
+      </p:bgPr>
+    </p:bg>
+    <p:spTree>
+      <p:nvGrpSpPr>
+        <p:cNvPr id="1" name=""/>
+        <p:cNvGrpSpPr/>
+        <p:nvPr/>
+      </p:nvGrpSpPr>
+      <p:grpSpPr>
+        <a:xfrm>
+          <a:off x="0" y="0"/>
+          <a:ext cx="0" cy="0"/>
+          <a:chOff x="0" y="0"/>
+          <a:chExt cx="0" cy="0"/>
+        </a:xfrm>
+      </p:grpSpPr>
+      <p:sp>
+        <p:nvSpPr>
+          <p:cNvPr id="2" name="标题 1"/>
+          <p:cNvSpPr>
+            <a:spLocks noGrp="1"/>
+          </p:cNvSpPr>
+          <p:nvPr>
+            <p:ph type="title"/>
+          </p:nvPr>
+        </p:nvSpPr>
+        <p:spPr/>
+        <p:txBody>
+          <a:bodyPr/>
+          <a:lstStyle/>
+          <a:p>
             <a:endParaRPr lang="zh-CN" altLang="en-US"/>
           </a:p>
         </p:txBody>
@@ -3201,7 +3341,7 @@
           </p:nvPr>
         </p:nvPicPr>
         <p:blipFill>
-          <a:blip r:embed="rId2" cstate="print"/>
+          <a:blip r:embed="rId1" cstate="print"/>
           <a:stretch>
             <a:fillRect/>
           </a:stretch>
@@ -3225,7 +3365,7 @@
           <p:nvPr/>
         </p:nvPicPr>
         <p:blipFill>
-          <a:blip r:embed="rId3" cstate="print"/>
+          <a:blip r:embed="rId2" cstate="print"/>
           <a:stretch>
             <a:fillRect/>
           </a:stretch>
@@ -3249,7 +3389,7 @@
           <p:nvPr/>
         </p:nvPicPr>
         <p:blipFill>
-          <a:blip r:embed="rId4" cstate="print"/>
+          <a:blip r:embed="rId3" cstate="print"/>
           <a:stretch>
             <a:fillRect/>
           </a:stretch>
@@ -3273,7 +3413,7 @@
           <p:nvPr/>
         </p:nvPicPr>
         <p:blipFill>
-          <a:blip r:embed="rId5" cstate="print"/>
+          <a:blip r:embed="rId4" cstate="print"/>
           <a:stretch>
             <a:fillRect/>
           </a:stretch>
@@ -3297,7 +3437,7 @@
           <p:nvPr/>
         </p:nvPicPr>
         <p:blipFill>
-          <a:blip r:embed="rId6" cstate="print"/>
+          <a:blip r:embed="rId5" cstate="print"/>
           <a:stretch>
             <a:fillRect/>
           </a:stretch>
@@ -3323,6 +3463,98 @@
 <file path=ppt/slides/slide4.xml><?xml version="1.0" encoding="utf-8"?>
 <p:sld xmlns:a="http://schemas.openxmlformats.org/drawingml/2006/main" xmlns:r="http://schemas.openxmlformats.org/officeDocument/2006/relationships" xmlns:p="http://schemas.openxmlformats.org/presentationml/2006/main">
   <p:cSld>
+    <p:bg>
+      <p:bgPr>
+        <a:pattFill prst="pct80">
+          <a:fgClr>
+            <a:schemeClr val="accent1"/>
+          </a:fgClr>
+          <a:bgClr>
+            <a:schemeClr val="bg1"/>
+          </a:bgClr>
+        </a:pattFill>
+        <a:effectLst/>
+      </p:bgPr>
+    </p:bg>
+    <p:spTree>
+      <p:nvGrpSpPr>
+        <p:cNvPr id="1" name=""/>
+        <p:cNvGrpSpPr/>
+        <p:nvPr/>
+      </p:nvGrpSpPr>
+      <p:grpSpPr/>
+      <p:sp>
+        <p:nvSpPr>
+          <p:cNvPr id="2" name="标题 1"/>
+          <p:cNvSpPr>
+            <a:spLocks noGrp="1"/>
+          </p:cNvSpPr>
+          <p:nvPr>
+            <p:ph type="title"/>
+          </p:nvPr>
+        </p:nvSpPr>
+        <p:spPr/>
+        <p:txBody>
+          <a:bodyPr/>
+          <a:p>
+            <a:r>
+              <a:rPr lang="zh-CN" altLang="zh-CN"/>
+              <a:t>目前结构为全链接结构</a:t>
+            </a:r>
+            <a:endParaRPr lang="zh-CN" altLang="zh-CN"/>
+          </a:p>
+        </p:txBody>
+      </p:sp>
+      <p:pic>
+        <p:nvPicPr>
+          <p:cNvPr id="4" name="内容占位符 3"/>
+          <p:cNvPicPr>
+            <a:picLocks noChangeAspect="1"/>
+          </p:cNvPicPr>
+          <p:nvPr>
+            <p:ph idx="1"/>
+          </p:nvPr>
+        </p:nvPicPr>
+        <p:blipFill>
+          <a:blip r:embed="rId1"/>
+          <a:stretch>
+            <a:fillRect/>
+          </a:stretch>
+        </p:blipFill>
+        <p:spPr>
+          <a:xfrm>
+            <a:off x="3598545" y="1825625"/>
+            <a:ext cx="4993640" cy="4351655"/>
+          </a:xfrm>
+          <a:prstGeom prst="rect">
+            <a:avLst/>
+          </a:prstGeom>
+        </p:spPr>
+      </p:pic>
+    </p:spTree>
+  </p:cSld>
+  <p:clrMapOvr>
+    <a:masterClrMapping/>
+  </p:clrMapOvr>
+</p:sld>
+</file>
+
+<file path=ppt/slides/slide5.xml><?xml version="1.0" encoding="utf-8"?>
+<p:sld xmlns:a="http://schemas.openxmlformats.org/drawingml/2006/main" xmlns:r="http://schemas.openxmlformats.org/officeDocument/2006/relationships" xmlns:p="http://schemas.openxmlformats.org/presentationml/2006/main">
+  <p:cSld>
+    <p:bg>
+      <p:bgPr>
+        <a:pattFill prst="pct80">
+          <a:fgClr>
+            <a:schemeClr val="accent1"/>
+          </a:fgClr>
+          <a:bgClr>
+            <a:schemeClr val="bg1"/>
+          </a:bgClr>
+        </a:pattFill>
+        <a:effectLst/>
+      </p:bgPr>
+    </p:bg>
     <p:spTree>
       <p:nvGrpSpPr>
         <p:cNvPr id="1" name=""/>
@@ -3356,6 +3588,7 @@
               <a:rPr lang="zh-CN" altLang="en-US"/>
               <a:t>神经网络的激活函数</a:t>
             </a:r>
+            <a:endParaRPr lang="zh-CN" altLang="en-US"/>
           </a:p>
         </p:txBody>
       </p:sp>
@@ -3378,6 +3611,120 @@
               <a:rPr lang="zh-CN" altLang="en-US"/>
               <a:t>常用的激活函数主要有：sigmoid函数，tanh函数，ReLU函数。</a:t>
             </a:r>
+            <a:endParaRPr lang="zh-CN" altLang="en-US"/>
+          </a:p>
+          <a:p>
+            <a:r>
+              <a:rPr lang="zh-CN" altLang="en-US"/>
+              <a:t>激活函数是用于各种情况使用的并且有优缺点</a:t>
+            </a:r>
+            <a:r>
+              <a:rPr lang="en-US" altLang="zh-CN"/>
+              <a:t>.</a:t>
+            </a:r>
+            <a:endParaRPr lang="en-US" altLang="zh-CN"/>
+          </a:p>
+          <a:p>
+            <a:r>
+              <a:rPr lang="zh-CN" altLang="en-US"/>
+              <a:t>激活函数中是对梯度的处理</a:t>
+            </a:r>
+            <a:r>
+              <a:rPr lang="en-US" altLang="zh-CN"/>
+              <a:t>, </a:t>
+            </a:r>
+            <a:r>
+              <a:rPr lang="zh-CN" altLang="en-US"/>
+              <a:t>梯度是分类的基础</a:t>
+            </a:r>
+            <a:r>
+              <a:rPr lang="en-US" altLang="zh-CN"/>
+              <a:t>. </a:t>
+            </a:r>
+            <a:r>
+              <a:rPr lang="zh-CN" altLang="en-US"/>
+              <a:t>分类的</a:t>
+            </a:r>
+            <a:r>
+              <a:rPr lang="en-US" altLang="zh-CN"/>
+              <a:t>”</a:t>
+            </a:r>
+            <a:r>
+              <a:rPr lang="zh-CN" altLang="en-US"/>
+              <a:t>线</a:t>
+            </a:r>
+            <a:r>
+              <a:rPr lang="en-US" altLang="zh-CN"/>
+              <a:t>/</a:t>
+            </a:r>
+            <a:r>
+              <a:rPr lang="zh-CN" altLang="en-US"/>
+              <a:t>面</a:t>
+            </a:r>
+            <a:r>
+              <a:rPr lang="en-US" altLang="zh-CN"/>
+              <a:t>/</a:t>
+            </a:r>
+            <a:r>
+              <a:rPr lang="zh-CN" altLang="en-US"/>
+              <a:t>超平面</a:t>
+            </a:r>
+            <a:r>
+              <a:rPr lang="en-US" altLang="zh-CN"/>
+              <a:t>”</a:t>
+            </a:r>
+            <a:r>
+              <a:rPr lang="zh-CN" altLang="en-US"/>
+              <a:t>是根据梯度去区分种类</a:t>
+            </a:r>
+            <a:r>
+              <a:rPr lang="en-US" altLang="zh-CN"/>
+              <a:t>.</a:t>
+            </a:r>
+            <a:endParaRPr lang="zh-CN" altLang="en-US"/>
+          </a:p>
+          <a:p>
+            <a:r>
+              <a:rPr lang="zh-CN" altLang="en-US"/>
+              <a:t>目前大部分神经网络都是使用的非线性激活函数</a:t>
+            </a:r>
+            <a:r>
+              <a:rPr lang="en-US" altLang="zh-CN"/>
+              <a:t>. </a:t>
+            </a:r>
+            <a:r>
+              <a:rPr lang="zh-CN" altLang="en-US"/>
+              <a:t>因为非线性激活函数在深度增加时可以突破现有结构</a:t>
+            </a:r>
+            <a:r>
+              <a:rPr lang="en-US" altLang="zh-CN"/>
+              <a:t>, </a:t>
+            </a:r>
+            <a:r>
+              <a:rPr lang="zh-CN" altLang="en-US"/>
+              <a:t>构成更有趣的</a:t>
+            </a:r>
+            <a:r>
+              <a:rPr lang="en-US" altLang="zh-CN"/>
+              <a:t>”</a:t>
+            </a:r>
+            <a:r>
+              <a:rPr lang="zh-CN" altLang="en-US"/>
+              <a:t>结构</a:t>
+            </a:r>
+            <a:r>
+              <a:rPr lang="en-US" altLang="zh-CN"/>
+              <a:t>”.(</a:t>
+            </a:r>
+            <a:r>
+              <a:rPr lang="zh-CN" altLang="en-US"/>
+              <a:t>例如向高维投影</a:t>
+            </a:r>
+            <a:r>
+              <a:rPr lang="en-US" altLang="zh-CN"/>
+              <a:t>)</a:t>
+            </a:r>
+            <a:endParaRPr lang="zh-CN" altLang="en-US"/>
           </a:p>
           <a:p>
             <a:endParaRPr lang="zh-CN" altLang="en-US"/>
@@ -3392,23 +3739,29 @@
 </p:sld>
 </file>
 
-<file path=ppt/slides/slide5.xml><?xml version="1.0" encoding="utf-8"?>
+<file path=ppt/slides/slide6.xml><?xml version="1.0" encoding="utf-8"?>
 <p:sld xmlns:a="http://schemas.openxmlformats.org/drawingml/2006/main" xmlns:r="http://schemas.openxmlformats.org/officeDocument/2006/relationships" xmlns:p="http://schemas.openxmlformats.org/presentationml/2006/main">
   <p:cSld>
+    <p:bg>
+      <p:bgPr>
+        <a:pattFill prst="pct80">
+          <a:fgClr>
+            <a:schemeClr val="accent1"/>
+          </a:fgClr>
+          <a:bgClr>
+            <a:schemeClr val="bg1"/>
+          </a:bgClr>
+        </a:pattFill>
+        <a:effectLst/>
+      </p:bgPr>
+    </p:bg>
     <p:spTree>
       <p:nvGrpSpPr>
         <p:cNvPr id="1" name=""/>
         <p:cNvGrpSpPr/>
         <p:nvPr/>
       </p:nvGrpSpPr>
-      <p:grpSpPr>
-        <a:xfrm>
-          <a:off x="0" y="0"/>
-          <a:ext cx="0" cy="0"/>
-          <a:chOff x="0" y="0"/>
-          <a:chExt cx="0" cy="0"/>
-        </a:xfrm>
-      </p:grpSpPr>
+      <p:grpSpPr/>
       <p:sp>
         <p:nvSpPr>
           <p:cNvPr id="2" name="标题 1"/>
@@ -3419,34 +3772,337 @@
             <p:ph type="title"/>
           </p:nvPr>
         </p:nvSpPr>
-        <p:spPr/>
-        <p:txBody>
-          <a:bodyPr/>
-          <a:lstStyle/>
-          <a:p>
-            <a:endParaRPr lang="zh-CN" altLang="en-US"/>
-          </a:p>
-        </p:txBody>
-      </p:sp>
-      <p:sp>
-        <p:nvSpPr>
-          <p:cNvPr id="3" name="内容占位符 2"/>
-          <p:cNvSpPr>
-            <a:spLocks noGrp="1"/>
-          </p:cNvSpPr>
+        <p:spPr>
+          <a:xfrm>
+            <a:off x="838200" y="365125"/>
+            <a:ext cx="10515600" cy="1325563"/>
+          </a:xfrm>
+        </p:spPr>
+        <p:txBody>
+          <a:bodyPr/>
+          <a:p>
+            <a:r>
+              <a:rPr lang="en-US" altLang="zh-CN"/>
+              <a:t>sigmoid</a:t>
+            </a:r>
+            <a:r>
+              <a:rPr lang="zh-CN" altLang="en-US"/>
+              <a:t>激活</a:t>
+            </a:r>
+            <a:r>
+              <a:rPr lang="zh-CN" altLang="en-US"/>
+              <a:t>函数</a:t>
+            </a:r>
+            <a:endParaRPr lang="zh-CN" altLang="en-US"/>
+          </a:p>
+        </p:txBody>
+      </p:sp>
+      <p:pic>
+        <p:nvPicPr>
+          <p:cNvPr id="5" name="图片 4"/>
+          <p:cNvPicPr>
+            <a:picLocks noChangeAspect="1"/>
+          </p:cNvPicPr>
+          <p:nvPr/>
+        </p:nvPicPr>
+        <p:blipFill>
+          <a:blip r:embed="rId1"/>
+          <a:stretch>
+            <a:fillRect/>
+          </a:stretch>
+        </p:blipFill>
+        <p:spPr>
+          <a:xfrm>
+            <a:off x="2759710" y="2501900"/>
+            <a:ext cx="2257425" cy="1828800"/>
+          </a:xfrm>
+          <a:prstGeom prst="rect">
+            <a:avLst/>
+          </a:prstGeom>
+        </p:spPr>
+      </p:pic>
+      <p:pic>
+        <p:nvPicPr>
+          <p:cNvPr id="7" name="内容占位符 6"/>
+          <p:cNvPicPr>
+            <a:picLocks noChangeAspect="1"/>
+          </p:cNvPicPr>
           <p:nvPr>
             <p:ph idx="1"/>
           </p:nvPr>
-        </p:nvSpPr>
-        <p:spPr/>
-        <p:txBody>
-          <a:bodyPr/>
-          <a:lstStyle/>
-          <a:p>
-            <a:r>
-              <a:rPr lang="zh-CN" altLang="en-US" dirty="0"/>
-              <a:t>https://www.cnblogs.com/lliuye/p/9486500.html</a:t>
-            </a:r>
+        </p:nvPicPr>
+        <p:blipFill>
+          <a:blip r:embed="rId2"/>
+          <a:stretch>
+            <a:fillRect/>
+          </a:stretch>
+        </p:blipFill>
+        <p:spPr>
+          <a:xfrm>
+            <a:off x="1932940" y="1825625"/>
+            <a:ext cx="1600200" cy="676275"/>
+          </a:xfrm>
+          <a:prstGeom prst="rect">
+            <a:avLst/>
+          </a:prstGeom>
+        </p:spPr>
+      </p:pic>
+      <p:sp>
+        <p:nvSpPr>
+          <p:cNvPr id="9" name="内容占位符 2"/>
+          <p:cNvSpPr>
+            <a:spLocks noGrp="1"/>
+          </p:cNvSpPr>
+          <p:nvPr/>
+        </p:nvSpPr>
+        <p:spPr>
+          <a:xfrm>
+            <a:off x="838200" y="1825625"/>
+            <a:ext cx="10515600" cy="4351338"/>
+          </a:xfrm>
+          <a:prstGeom prst="rect">
+            <a:avLst/>
+          </a:prstGeom>
+        </p:spPr>
+        <p:txBody>
+          <a:bodyPr vert="horz" lIns="91440" tIns="45720" rIns="91440" bIns="45720" rtlCol="0">
+            <a:normAutofit/>
+          </a:bodyPr>
+          <a:lstStyle>
+            <a:lvl1pPr marL="228600" indent="-228600" algn="l" defTabSz="914400" rtl="0" eaLnBrk="1" latinLnBrk="0" hangingPunct="1">
+              <a:lnSpc>
+                <a:spcPct val="90000"/>
+              </a:lnSpc>
+              <a:spcBef>
+                <a:spcPts val="1000"/>
+              </a:spcBef>
+              <a:buFont typeface="Arial" panose="020B0604020202020204" pitchFamily="34" charset="0"/>
+              <a:buChar char="•"/>
+              <a:defRPr sz="2800" kern="1200">
+                <a:solidFill>
+                  <a:schemeClr val="tx1"/>
+                </a:solidFill>
+                <a:latin typeface="+mn-lt"/>
+                <a:ea typeface="+mn-ea"/>
+                <a:cs typeface="+mn-cs"/>
+              </a:defRPr>
+            </a:lvl1pPr>
+            <a:lvl2pPr marL="685800" indent="-228600" algn="l" defTabSz="914400" rtl="0" eaLnBrk="1" latinLnBrk="0" hangingPunct="1">
+              <a:lnSpc>
+                <a:spcPct val="90000"/>
+              </a:lnSpc>
+              <a:spcBef>
+                <a:spcPts val="500"/>
+              </a:spcBef>
+              <a:buFont typeface="Arial" panose="020B0604020202020204" pitchFamily="34" charset="0"/>
+              <a:buChar char="•"/>
+              <a:defRPr sz="2400" kern="1200">
+                <a:solidFill>
+                  <a:schemeClr val="tx1"/>
+                </a:solidFill>
+                <a:latin typeface="+mn-lt"/>
+                <a:ea typeface="+mn-ea"/>
+                <a:cs typeface="+mn-cs"/>
+              </a:defRPr>
+            </a:lvl2pPr>
+            <a:lvl3pPr marL="1143000" indent="-228600" algn="l" defTabSz="914400" rtl="0" eaLnBrk="1" latinLnBrk="0" hangingPunct="1">
+              <a:lnSpc>
+                <a:spcPct val="90000"/>
+              </a:lnSpc>
+              <a:spcBef>
+                <a:spcPts val="500"/>
+              </a:spcBef>
+              <a:buFont typeface="Arial" panose="020B0604020202020204" pitchFamily="34" charset="0"/>
+              <a:buChar char="•"/>
+              <a:defRPr sz="2000" kern="1200">
+                <a:solidFill>
+                  <a:schemeClr val="tx1"/>
+                </a:solidFill>
+                <a:latin typeface="+mn-lt"/>
+                <a:ea typeface="+mn-ea"/>
+                <a:cs typeface="+mn-cs"/>
+              </a:defRPr>
+            </a:lvl3pPr>
+            <a:lvl4pPr marL="1600200" indent="-228600" algn="l" defTabSz="914400" rtl="0" eaLnBrk="1" latinLnBrk="0" hangingPunct="1">
+              <a:lnSpc>
+                <a:spcPct val="90000"/>
+              </a:lnSpc>
+              <a:spcBef>
+                <a:spcPts val="500"/>
+              </a:spcBef>
+              <a:buFont typeface="Arial" panose="020B0604020202020204" pitchFamily="34" charset="0"/>
+              <a:buChar char="•"/>
+              <a:defRPr sz="1800" kern="1200">
+                <a:solidFill>
+                  <a:schemeClr val="tx1"/>
+                </a:solidFill>
+                <a:latin typeface="+mn-lt"/>
+                <a:ea typeface="+mn-ea"/>
+                <a:cs typeface="+mn-cs"/>
+              </a:defRPr>
+            </a:lvl4pPr>
+            <a:lvl5pPr marL="2057400" indent="-228600" algn="l" defTabSz="914400" rtl="0" eaLnBrk="1" latinLnBrk="0" hangingPunct="1">
+              <a:lnSpc>
+                <a:spcPct val="90000"/>
+              </a:lnSpc>
+              <a:spcBef>
+                <a:spcPts val="500"/>
+              </a:spcBef>
+              <a:buFont typeface="Arial" panose="020B0604020202020204" pitchFamily="34" charset="0"/>
+              <a:buChar char="•"/>
+              <a:defRPr sz="1800" kern="1200">
+                <a:solidFill>
+                  <a:schemeClr val="tx1"/>
+                </a:solidFill>
+                <a:latin typeface="+mn-lt"/>
+                <a:ea typeface="+mn-ea"/>
+                <a:cs typeface="+mn-cs"/>
+              </a:defRPr>
+            </a:lvl5pPr>
+            <a:lvl6pPr marL="2514600" indent="-228600" algn="l" defTabSz="914400" rtl="0" eaLnBrk="1" latinLnBrk="0" hangingPunct="1">
+              <a:lnSpc>
+                <a:spcPct val="90000"/>
+              </a:lnSpc>
+              <a:spcBef>
+                <a:spcPts val="500"/>
+              </a:spcBef>
+              <a:buFont typeface="Arial" panose="020B0604020202020204" pitchFamily="34" charset="0"/>
+              <a:buChar char="•"/>
+              <a:defRPr sz="1800" kern="1200">
+                <a:solidFill>
+                  <a:schemeClr val="tx1"/>
+                </a:solidFill>
+                <a:latin typeface="+mn-lt"/>
+                <a:ea typeface="+mn-ea"/>
+                <a:cs typeface="+mn-cs"/>
+              </a:defRPr>
+            </a:lvl6pPr>
+            <a:lvl7pPr marL="2971800" indent="-228600" algn="l" defTabSz="914400" rtl="0" eaLnBrk="1" latinLnBrk="0" hangingPunct="1">
+              <a:lnSpc>
+                <a:spcPct val="90000"/>
+              </a:lnSpc>
+              <a:spcBef>
+                <a:spcPts val="500"/>
+              </a:spcBef>
+              <a:buFont typeface="Arial" panose="020B0604020202020204" pitchFamily="34" charset="0"/>
+              <a:buChar char="•"/>
+              <a:defRPr sz="1800" kern="1200">
+                <a:solidFill>
+                  <a:schemeClr val="tx1"/>
+                </a:solidFill>
+                <a:latin typeface="+mn-lt"/>
+                <a:ea typeface="+mn-ea"/>
+                <a:cs typeface="+mn-cs"/>
+              </a:defRPr>
+            </a:lvl7pPr>
+            <a:lvl8pPr marL="3429000" indent="-228600" algn="l" defTabSz="914400" rtl="0" eaLnBrk="1" latinLnBrk="0" hangingPunct="1">
+              <a:lnSpc>
+                <a:spcPct val="90000"/>
+              </a:lnSpc>
+              <a:spcBef>
+                <a:spcPts val="500"/>
+              </a:spcBef>
+              <a:buFont typeface="Arial" panose="020B0604020202020204" pitchFamily="34" charset="0"/>
+              <a:buChar char="•"/>
+              <a:defRPr sz="1800" kern="1200">
+                <a:solidFill>
+                  <a:schemeClr val="tx1"/>
+                </a:solidFill>
+                <a:latin typeface="+mn-lt"/>
+                <a:ea typeface="+mn-ea"/>
+                <a:cs typeface="+mn-cs"/>
+              </a:defRPr>
+            </a:lvl8pPr>
+            <a:lvl9pPr marL="3886200" indent="-228600" algn="l" defTabSz="914400" rtl="0" eaLnBrk="1" latinLnBrk="0" hangingPunct="1">
+              <a:lnSpc>
+                <a:spcPct val="90000"/>
+              </a:lnSpc>
+              <a:spcBef>
+                <a:spcPts val="500"/>
+              </a:spcBef>
+              <a:buFont typeface="Arial" panose="020B0604020202020204" pitchFamily="34" charset="0"/>
+              <a:buChar char="•"/>
+              <a:defRPr sz="1800" kern="1200">
+                <a:solidFill>
+                  <a:schemeClr val="tx1"/>
+                </a:solidFill>
+                <a:latin typeface="+mn-lt"/>
+                <a:ea typeface="+mn-ea"/>
+                <a:cs typeface="+mn-cs"/>
+              </a:defRPr>
+            </a:lvl9pPr>
+          </a:lstStyle>
+          <a:p>
+            <a:r>
+              <a:rPr lang="zh-CN" altLang="en-US"/>
+              <a:t>公式</a:t>
+            </a:r>
+            <a:r>
+              <a:rPr lang="en-US" altLang="zh-CN"/>
+              <a:t>:</a:t>
+            </a:r>
+            <a:endParaRPr lang="en-US" altLang="zh-CN"/>
+          </a:p>
+          <a:p>
+            <a:r>
+              <a:rPr lang="zh-CN" altLang="en-US"/>
+              <a:t>曲线区间</a:t>
+            </a:r>
+            <a:r>
+              <a:rPr lang="en-US" altLang="zh-CN"/>
+              <a:t>:</a:t>
+            </a:r>
+            <a:endParaRPr lang="en-US" altLang="zh-CN"/>
+          </a:p>
+          <a:p>
+            <a:endParaRPr lang="en-US" altLang="zh-CN"/>
+          </a:p>
+          <a:p>
+            <a:endParaRPr lang="en-US" altLang="zh-CN"/>
+          </a:p>
+          <a:p>
+            <a:endParaRPr lang="en-US" altLang="zh-CN"/>
+          </a:p>
+          <a:p>
+            <a:r>
+              <a:rPr lang="zh-CN" altLang="en-US"/>
+              <a:t>缺点</a:t>
+            </a:r>
+            <a:r>
+              <a:rPr lang="en-US" altLang="zh-CN"/>
+              <a:t>: </a:t>
+            </a:r>
+            <a:r>
+              <a:rPr lang="zh-CN" altLang="en-US"/>
+              <a:t>当横向值越大</a:t>
+            </a:r>
+            <a:r>
+              <a:rPr lang="en-US" altLang="zh-CN"/>
+              <a:t>, </a:t>
+            </a:r>
+            <a:r>
+              <a:rPr lang="zh-CN" altLang="en-US"/>
+              <a:t>可读取梯度越小</a:t>
+            </a:r>
+            <a:r>
+              <a:rPr lang="en-US" altLang="zh-CN"/>
+              <a:t>, </a:t>
+            </a:r>
+            <a:r>
+              <a:rPr lang="zh-CN" altLang="en-US"/>
+              <a:t>导数越趋近于</a:t>
+            </a:r>
+            <a:r>
+              <a:rPr lang="en-US" altLang="zh-CN"/>
+              <a:t>0.</a:t>
+            </a:r>
+            <a:endParaRPr lang="zh-CN" altLang="en-US"/>
+          </a:p>
+          <a:p>
+            <a:endParaRPr lang="zh-CN" altLang="en-US"/>
+          </a:p>
+          <a:p>
+            <a:endParaRPr lang="zh-CN" altLang="en-US"/>
           </a:p>
         </p:txBody>
       </p:sp>
@@ -3456,6 +4112,571 @@
     <a:masterClrMapping/>
   </p:clrMapOvr>
 </p:sld>
+</file>
+
+<file path=ppt/slides/slide7.xml><?xml version="1.0" encoding="utf-8"?>
+<p:sld xmlns:a="http://schemas.openxmlformats.org/drawingml/2006/main" xmlns:r="http://schemas.openxmlformats.org/officeDocument/2006/relationships" xmlns:p="http://schemas.openxmlformats.org/presentationml/2006/main">
+  <p:cSld>
+    <p:bg>
+      <p:bgPr>
+        <a:pattFill prst="pct80">
+          <a:fgClr>
+            <a:schemeClr val="accent1"/>
+          </a:fgClr>
+          <a:bgClr>
+            <a:schemeClr val="bg1"/>
+          </a:bgClr>
+        </a:pattFill>
+        <a:effectLst/>
+      </p:bgPr>
+    </p:bg>
+    <p:spTree>
+      <p:nvGrpSpPr>
+        <p:cNvPr id="1" name=""/>
+        <p:cNvGrpSpPr/>
+        <p:nvPr/>
+      </p:nvGrpSpPr>
+      <p:grpSpPr/>
+      <p:sp>
+        <p:nvSpPr>
+          <p:cNvPr id="2" name="标题 1"/>
+          <p:cNvSpPr>
+            <a:spLocks noGrp="1"/>
+          </p:cNvSpPr>
+          <p:nvPr>
+            <p:ph type="title"/>
+          </p:nvPr>
+        </p:nvSpPr>
+        <p:spPr/>
+        <p:txBody>
+          <a:bodyPr/>
+          <a:p>
+            <a:r>
+              <a:rPr lang="en-US" altLang="zh-CN"/>
+              <a:t>tanh</a:t>
+            </a:r>
+            <a:r>
+              <a:rPr lang="zh-CN" altLang="en-US"/>
+              <a:t>激活函数</a:t>
+            </a:r>
+            <a:endParaRPr lang="zh-CN" altLang="en-US"/>
+          </a:p>
+        </p:txBody>
+      </p:sp>
+      <p:sp>
+        <p:nvSpPr>
+          <p:cNvPr id="3" name="内容占位符 2"/>
+          <p:cNvSpPr>
+            <a:spLocks noGrp="1"/>
+          </p:cNvSpPr>
+          <p:nvPr>
+            <p:ph idx="1"/>
+          </p:nvPr>
+        </p:nvSpPr>
+        <p:spPr/>
+        <p:txBody>
+          <a:bodyPr/>
+          <a:p>
+            <a:r>
+              <a:rPr lang="zh-CN" altLang="en-US"/>
+              <a:t>公式</a:t>
+            </a:r>
+            <a:r>
+              <a:rPr lang="en-US" altLang="zh-CN"/>
+              <a:t>:</a:t>
+            </a:r>
+            <a:endParaRPr lang="en-US" altLang="zh-CN"/>
+          </a:p>
+          <a:p>
+            <a:endParaRPr lang="en-US" altLang="zh-CN"/>
+          </a:p>
+          <a:p>
+            <a:r>
+              <a:rPr lang="zh-CN" altLang="en-US"/>
+              <a:t>曲线</a:t>
+            </a:r>
+            <a:r>
+              <a:rPr lang="en-US" altLang="zh-CN"/>
+              <a:t>:</a:t>
+            </a:r>
+            <a:endParaRPr lang="en-US" altLang="zh-CN"/>
+          </a:p>
+          <a:p>
+            <a:endParaRPr lang="en-US" altLang="zh-CN"/>
+          </a:p>
+          <a:p>
+            <a:endParaRPr lang="en-US" altLang="zh-CN"/>
+          </a:p>
+          <a:p>
+            <a:endParaRPr lang="en-US" altLang="zh-CN"/>
+          </a:p>
+          <a:p>
+            <a:r>
+              <a:rPr lang="zh-CN" altLang="en-US"/>
+              <a:t>缺点</a:t>
+            </a:r>
+            <a:r>
+              <a:rPr lang="en-US" altLang="zh-CN"/>
+              <a:t>: </a:t>
+            </a:r>
+            <a:r>
+              <a:rPr lang="zh-CN" altLang="en-US"/>
+              <a:t>同样是在横向越大或越小是梯度消失的问题</a:t>
+            </a:r>
+            <a:r>
+              <a:rPr lang="en-US" altLang="zh-CN"/>
+              <a:t>.</a:t>
+            </a:r>
+            <a:endParaRPr lang="en-US" altLang="zh-CN"/>
+          </a:p>
+        </p:txBody>
+      </p:sp>
+      <p:pic>
+        <p:nvPicPr>
+          <p:cNvPr id="5" name="图片 4"/>
+          <p:cNvPicPr>
+            <a:picLocks noChangeAspect="1"/>
+          </p:cNvPicPr>
+          <p:nvPr/>
+        </p:nvPicPr>
+        <p:blipFill>
+          <a:blip r:embed="rId1"/>
+          <a:stretch>
+            <a:fillRect/>
+          </a:stretch>
+        </p:blipFill>
+        <p:spPr>
+          <a:xfrm>
+            <a:off x="1986915" y="1825625"/>
+            <a:ext cx="1524000" cy="590550"/>
+          </a:xfrm>
+          <a:prstGeom prst="rect">
+            <a:avLst/>
+          </a:prstGeom>
+        </p:spPr>
+      </p:pic>
+      <p:pic>
+        <p:nvPicPr>
+          <p:cNvPr id="6" name="图片 5"/>
+          <p:cNvPicPr>
+            <a:picLocks noChangeAspect="1"/>
+          </p:cNvPicPr>
+          <p:nvPr/>
+        </p:nvPicPr>
+        <p:blipFill>
+          <a:blip r:embed="rId2"/>
+          <a:stretch>
+            <a:fillRect/>
+          </a:stretch>
+        </p:blipFill>
+        <p:spPr>
+          <a:xfrm>
+            <a:off x="2115185" y="2934970"/>
+            <a:ext cx="2314575" cy="1876425"/>
+          </a:xfrm>
+          <a:prstGeom prst="rect">
+            <a:avLst/>
+          </a:prstGeom>
+        </p:spPr>
+      </p:pic>
+    </p:spTree>
+  </p:cSld>
+  <p:clrMapOvr>
+    <a:masterClrMapping/>
+  </p:clrMapOvr>
+</p:sld>
+</file>
+
+<file path=ppt/slides/slide8.xml><?xml version="1.0" encoding="utf-8"?>
+<p:sld xmlns:a="http://schemas.openxmlformats.org/drawingml/2006/main" xmlns:r="http://schemas.openxmlformats.org/officeDocument/2006/relationships" xmlns:p="http://schemas.openxmlformats.org/presentationml/2006/main">
+  <p:cSld>
+    <p:bg>
+      <p:bgPr>
+        <a:pattFill prst="pct80">
+          <a:fgClr>
+            <a:schemeClr val="accent1"/>
+          </a:fgClr>
+          <a:bgClr>
+            <a:schemeClr val="bg1"/>
+          </a:bgClr>
+        </a:pattFill>
+        <a:effectLst/>
+      </p:bgPr>
+    </p:bg>
+    <p:spTree>
+      <p:nvGrpSpPr>
+        <p:cNvPr id="1" name=""/>
+        <p:cNvGrpSpPr/>
+        <p:nvPr/>
+      </p:nvGrpSpPr>
+      <p:grpSpPr/>
+      <p:sp>
+        <p:nvSpPr>
+          <p:cNvPr id="2" name="标题 1"/>
+          <p:cNvSpPr>
+            <a:spLocks noGrp="1"/>
+          </p:cNvSpPr>
+          <p:nvPr>
+            <p:ph type="title"/>
+          </p:nvPr>
+        </p:nvSpPr>
+        <p:spPr/>
+        <p:txBody>
+          <a:bodyPr/>
+          <a:p>
+            <a:r>
+              <a:rPr lang="en-US" altLang="zh-CN"/>
+              <a:t>ReLU</a:t>
+            </a:r>
+            <a:r>
+              <a:rPr lang="zh-CN" altLang="en-US"/>
+              <a:t>激活函数</a:t>
+            </a:r>
+            <a:endParaRPr lang="zh-CN" altLang="en-US"/>
+          </a:p>
+        </p:txBody>
+      </p:sp>
+      <p:sp>
+        <p:nvSpPr>
+          <p:cNvPr id="3" name="内容占位符 2"/>
+          <p:cNvSpPr>
+            <a:spLocks noGrp="1"/>
+          </p:cNvSpPr>
+          <p:nvPr>
+            <p:ph idx="1"/>
+          </p:nvPr>
+        </p:nvSpPr>
+        <p:spPr/>
+        <p:txBody>
+          <a:bodyPr/>
+          <a:p>
+            <a:r>
+              <a:rPr lang="zh-CN" altLang="en-US"/>
+              <a:t>公式</a:t>
+            </a:r>
+            <a:r>
+              <a:rPr lang="en-US" altLang="zh-CN"/>
+              <a:t>:</a:t>
+            </a:r>
+            <a:endParaRPr lang="en-US" altLang="zh-CN"/>
+          </a:p>
+          <a:p>
+            <a:endParaRPr lang="en-US" altLang="zh-CN"/>
+          </a:p>
+          <a:p>
+            <a:r>
+              <a:rPr lang="zh-CN" altLang="en-US"/>
+              <a:t>曲线</a:t>
+            </a:r>
+            <a:r>
+              <a:rPr lang="en-US" altLang="zh-CN"/>
+              <a:t>:</a:t>
+            </a:r>
+            <a:endParaRPr lang="en-US" altLang="zh-CN"/>
+          </a:p>
+          <a:p>
+            <a:endParaRPr lang="en-US" altLang="zh-CN"/>
+          </a:p>
+          <a:p>
+            <a:endParaRPr lang="en-US" altLang="zh-CN"/>
+          </a:p>
+          <a:p>
+            <a:endParaRPr lang="en-US" altLang="zh-CN"/>
+          </a:p>
+          <a:p>
+            <a:r>
+              <a:rPr lang="zh-CN" altLang="en-US"/>
+              <a:t>在正区间不存在梯度消失问题</a:t>
+            </a:r>
+            <a:r>
+              <a:rPr lang="en-US" altLang="zh-CN"/>
+              <a:t>.</a:t>
+            </a:r>
+            <a:r>
+              <a:rPr lang="zh-CN" altLang="en-US"/>
+              <a:t>计算速度快得多</a:t>
+            </a:r>
+            <a:r>
+              <a:rPr lang="en-US" altLang="zh-CN"/>
+              <a:t>, </a:t>
+            </a:r>
+            <a:r>
+              <a:rPr lang="zh-CN" altLang="en-US"/>
+              <a:t>当需要负值权重时还是会有梯度消失问题</a:t>
+            </a:r>
+            <a:r>
+              <a:rPr lang="en-US" altLang="zh-CN"/>
+              <a:t>.</a:t>
+            </a:r>
+            <a:r>
+              <a:rPr lang="en-US" altLang="zh-CN"/>
+              <a:t> </a:t>
+            </a:r>
+            <a:r>
+              <a:rPr lang="en-US" altLang="zh-CN"/>
+              <a:t> </a:t>
+            </a:r>
+            <a:endParaRPr lang="en-US" altLang="zh-CN"/>
+          </a:p>
+        </p:txBody>
+      </p:sp>
+      <p:pic>
+        <p:nvPicPr>
+          <p:cNvPr id="5" name="图片 4"/>
+          <p:cNvPicPr>
+            <a:picLocks noChangeAspect="1"/>
+          </p:cNvPicPr>
+          <p:nvPr/>
+        </p:nvPicPr>
+        <p:blipFill>
+          <a:blip r:embed="rId1"/>
+          <a:stretch>
+            <a:fillRect/>
+          </a:stretch>
+        </p:blipFill>
+        <p:spPr>
+          <a:xfrm>
+            <a:off x="2009775" y="1825625"/>
+            <a:ext cx="2019300" cy="904875"/>
+          </a:xfrm>
+          <a:prstGeom prst="rect">
+            <a:avLst/>
+          </a:prstGeom>
+        </p:spPr>
+      </p:pic>
+      <p:pic>
+        <p:nvPicPr>
+          <p:cNvPr id="6" name="图片 5"/>
+          <p:cNvPicPr>
+            <a:picLocks noChangeAspect="1"/>
+          </p:cNvPicPr>
+          <p:nvPr/>
+        </p:nvPicPr>
+        <p:blipFill>
+          <a:blip r:embed="rId2"/>
+          <a:stretch>
+            <a:fillRect/>
+          </a:stretch>
+        </p:blipFill>
+        <p:spPr>
+          <a:xfrm>
+            <a:off x="2009775" y="2987040"/>
+            <a:ext cx="2619375" cy="2028825"/>
+          </a:xfrm>
+          <a:prstGeom prst="rect">
+            <a:avLst/>
+          </a:prstGeom>
+        </p:spPr>
+      </p:pic>
+    </p:spTree>
+  </p:cSld>
+  <p:clrMapOvr>
+    <a:masterClrMapping/>
+  </p:clrMapOvr>
+</p:sld>
+</file>
+
+<file path=ppt/slides/slide9.xml><?xml version="1.0" encoding="utf-8"?>
+<p:sld xmlns:a="http://schemas.openxmlformats.org/drawingml/2006/main" xmlns:r="http://schemas.openxmlformats.org/officeDocument/2006/relationships" xmlns:p="http://schemas.openxmlformats.org/presentationml/2006/main">
+  <p:cSld>
+    <p:bg>
+      <p:bgPr>
+        <a:pattFill prst="pct80">
+          <a:fgClr>
+            <a:schemeClr val="accent1"/>
+          </a:fgClr>
+          <a:bgClr>
+            <a:schemeClr val="bg1"/>
+          </a:bgClr>
+        </a:pattFill>
+        <a:effectLst/>
+      </p:bgPr>
+    </p:bg>
+    <p:spTree>
+      <p:nvGrpSpPr>
+        <p:cNvPr id="1" name=""/>
+        <p:cNvGrpSpPr/>
+        <p:nvPr/>
+      </p:nvGrpSpPr>
+      <p:grpSpPr/>
+      <p:sp>
+        <p:nvSpPr>
+          <p:cNvPr id="2" name="标题 1"/>
+          <p:cNvSpPr>
+            <a:spLocks noGrp="1"/>
+          </p:cNvSpPr>
+          <p:nvPr>
+            <p:ph type="title"/>
+          </p:nvPr>
+        </p:nvSpPr>
+        <p:spPr/>
+        <p:txBody>
+          <a:bodyPr/>
+          <a:p>
+            <a:r>
+              <a:rPr lang="zh-CN" altLang="en-US"/>
+              <a:t>神经网络常见问题</a:t>
+            </a:r>
+            <a:endParaRPr lang="zh-CN" altLang="en-US"/>
+          </a:p>
+        </p:txBody>
+      </p:sp>
+      <p:sp>
+        <p:nvSpPr>
+          <p:cNvPr id="3" name="内容占位符 2"/>
+          <p:cNvSpPr>
+            <a:spLocks noGrp="1"/>
+          </p:cNvSpPr>
+          <p:nvPr>
+            <p:ph idx="1"/>
+          </p:nvPr>
+        </p:nvSpPr>
+        <p:spPr/>
+        <p:txBody>
+          <a:bodyPr/>
+          <a:p>
+            <a:r>
+              <a:rPr lang="zh-CN" altLang="en-US"/>
+              <a:t>过拟合</a:t>
+            </a:r>
+            <a:r>
+              <a:rPr lang="en-US" altLang="zh-CN"/>
+              <a:t>, </a:t>
+            </a:r>
+            <a:r>
+              <a:rPr lang="zh-CN" altLang="en-US"/>
+              <a:t>过拟合一般是因为数据不够全面导致的</a:t>
+            </a:r>
+            <a:r>
+              <a:rPr lang="en-US" altLang="zh-CN"/>
+              <a:t>, </a:t>
+            </a:r>
+            <a:r>
+              <a:rPr lang="zh-CN" altLang="en-US"/>
+              <a:t>比如</a:t>
+            </a:r>
+            <a:r>
+              <a:rPr lang="en-US" altLang="zh-CN"/>
+              <a:t>, </a:t>
+            </a:r>
+            <a:r>
+              <a:rPr lang="zh-CN" altLang="en-US"/>
+              <a:t>识别人</a:t>
+            </a:r>
+            <a:r>
+              <a:rPr lang="en-US" altLang="zh-CN"/>
+              <a:t>, </a:t>
+            </a:r>
+            <a:r>
+              <a:rPr lang="zh-CN" altLang="en-US"/>
+              <a:t>但是给的数据大部分是女的</a:t>
+            </a:r>
+            <a:r>
+              <a:rPr lang="en-US" altLang="zh-CN"/>
+              <a:t>, </a:t>
+            </a:r>
+            <a:r>
+              <a:rPr lang="zh-CN" altLang="en-US"/>
+              <a:t>最后出来的模型可能会认为女的才是人</a:t>
+            </a:r>
+            <a:r>
+              <a:rPr lang="en-US" altLang="zh-CN"/>
+              <a:t>. </a:t>
+            </a:r>
+            <a:r>
+              <a:rPr lang="zh-CN" altLang="en-US"/>
+              <a:t>这就是过拟合</a:t>
+            </a:r>
+            <a:r>
+              <a:rPr lang="en-US" altLang="zh-CN"/>
+              <a:t>.</a:t>
+            </a:r>
+            <a:endParaRPr lang="en-US" altLang="zh-CN"/>
+          </a:p>
+          <a:p>
+            <a:r>
+              <a:rPr lang="zh-CN" altLang="en-US"/>
+              <a:t>数据标准化</a:t>
+            </a:r>
+            <a:r>
+              <a:rPr lang="en-US" altLang="zh-CN"/>
+              <a:t>, </a:t>
+            </a:r>
+            <a:r>
+              <a:rPr lang="zh-CN" altLang="en-US"/>
+              <a:t>比如</a:t>
+            </a:r>
+            <a:r>
+              <a:rPr lang="en-US" altLang="zh-CN"/>
+              <a:t>, </a:t>
+            </a:r>
+            <a:r>
+              <a:rPr lang="zh-CN" altLang="en-US"/>
+              <a:t>数字识别</a:t>
+            </a:r>
+            <a:r>
+              <a:rPr lang="en-US" altLang="zh-CN"/>
+              <a:t>, </a:t>
+            </a:r>
+            <a:r>
+              <a:rPr lang="zh-CN" altLang="en-US"/>
+              <a:t>有的数字转</a:t>
+            </a:r>
+            <a:r>
+              <a:rPr lang="en-US" altLang="zh-CN"/>
+              <a:t>90</a:t>
+            </a:r>
+            <a:r>
+              <a:rPr lang="zh-CN" altLang="en-US"/>
+              <a:t>度写</a:t>
+            </a:r>
+            <a:r>
+              <a:rPr lang="en-US" altLang="zh-CN"/>
+              <a:t>, </a:t>
+            </a:r>
+            <a:r>
+              <a:rPr lang="zh-CN" altLang="en-US"/>
+              <a:t>有的转</a:t>
+            </a:r>
+            <a:r>
+              <a:rPr lang="en-US" altLang="zh-CN"/>
+              <a:t>180</a:t>
+            </a:r>
+            <a:r>
+              <a:rPr lang="zh-CN" altLang="en-US"/>
+              <a:t>度写的</a:t>
+            </a:r>
+            <a:r>
+              <a:rPr lang="en-US" altLang="zh-CN"/>
+              <a:t>, </a:t>
+            </a:r>
+            <a:r>
+              <a:rPr lang="zh-CN" altLang="en-US"/>
+              <a:t>这都不是标准化数据</a:t>
+            </a:r>
+            <a:r>
+              <a:rPr lang="en-US" altLang="zh-CN"/>
+              <a:t>.</a:t>
+            </a:r>
+            <a:endParaRPr lang="en-US" altLang="zh-CN"/>
+          </a:p>
+          <a:p>
+            <a:endParaRPr lang="en-US" altLang="zh-CN"/>
+          </a:p>
+        </p:txBody>
+      </p:sp>
+    </p:spTree>
+  </p:cSld>
+  <p:clrMapOvr>
+    <a:masterClrMapping/>
+  </p:clrMapOvr>
+</p:sld>
+</file>
+
+<file path=ppt/tags/tag1.xml><?xml version="1.0" encoding="utf-8"?>
+<p:tagLst xmlns:p="http://schemas.openxmlformats.org/presentationml/2006/main">
+  <p:tag name="KSO_WM_SLIDE_MODEL_TYPE" val="cover"/>
+</p:tagLst>
 </file>
 
 <file path=ppt/theme/theme1.xml><?xml version="1.0" encoding="utf-8"?>
@@ -3709,11 +4930,9 @@
       </a:bgFillStyleLst>
     </a:fmtScheme>
   </a:themeElements>
-  <a:objectDefaults/>
-  <a:extraClrSchemeLst/>
   <a:extLst>
     <a:ext uri="{05A4C25C-085E-4340-85A3-A5531E510DB2}">
-      <thm15:themeFamily xmlns:thm15="http://schemas.microsoft.com/office/thememl/2012/main" xmlns="" name="Office Theme" id="{62F939B6-93AF-4DB8-9C6B-D6C7DFDC589F}" vid="{4A3C46E8-61CC-4603-A589-7422A47A8E4A}"/>
+      <thm15:themeFamily xmlns:thm15="http://schemas.microsoft.com/office/thememl/2012/main" name="Office Theme" id="{62F939B6-93AF-4DB8-9C6B-D6C7DFDC589F}" vid="{4A3C46E8-61CC-4603-A589-7422A47A8E4A}"/>
     </a:ext>
   </a:extLst>
 </a:theme>
